--- a/Joudlus.pptx
+++ b/Joudlus.pptx
@@ -105,6 +105,11 @@
       </a:defRPr>
     </a:lvl9pPr>
   </p:defaultTextStyle>
+  <p:extLst>
+    <p:ext uri="{EFAFB233-063F-42B5-8137-9DF3F51BA10A}">
+      <p15:sldGuideLst xmlns:p15="http://schemas.microsoft.com/office/powerpoint/2012/main"/>
+    </p:ext>
+  </p:extLst>
 </p:presentation>
 </file>
 
@@ -241,7 +246,7 @@
               <a:rPr lang="et-EE" smtClean="0"/>
               <a:t>27.06.2018</a:t>
             </a:fld>
-            <a:endParaRPr lang="et-EE"/>
+            <a:endParaRPr lang="et-EE" dirty="0"/>
           </a:p>
         </p:txBody>
       </p:sp>
@@ -260,7 +265,7 @@
           <a:bodyPr/>
           <a:lstStyle/>
           <a:p>
-            <a:endParaRPr lang="et-EE"/>
+            <a:endParaRPr lang="et-EE" dirty="0"/>
           </a:p>
         </p:txBody>
       </p:sp>
@@ -283,7 +288,7 @@
               <a:rPr lang="et-EE" smtClean="0"/>
               <a:t>‹#›</a:t>
             </a:fld>
-            <a:endParaRPr lang="et-EE"/>
+            <a:endParaRPr lang="et-EE" dirty="0"/>
           </a:p>
         </p:txBody>
       </p:sp>
@@ -411,7 +416,7 @@
               <a:rPr lang="et-EE" smtClean="0"/>
               <a:t>27.06.2018</a:t>
             </a:fld>
-            <a:endParaRPr lang="et-EE"/>
+            <a:endParaRPr lang="et-EE" dirty="0"/>
           </a:p>
         </p:txBody>
       </p:sp>
@@ -430,7 +435,7 @@
           <a:bodyPr/>
           <a:lstStyle/>
           <a:p>
-            <a:endParaRPr lang="et-EE"/>
+            <a:endParaRPr lang="et-EE" dirty="0"/>
           </a:p>
         </p:txBody>
       </p:sp>
@@ -453,7 +458,7 @@
               <a:rPr lang="et-EE" smtClean="0"/>
               <a:t>‹#›</a:t>
             </a:fld>
-            <a:endParaRPr lang="et-EE"/>
+            <a:endParaRPr lang="et-EE" dirty="0"/>
           </a:p>
         </p:txBody>
       </p:sp>
@@ -591,7 +596,7 @@
               <a:rPr lang="et-EE" smtClean="0"/>
               <a:t>27.06.2018</a:t>
             </a:fld>
-            <a:endParaRPr lang="et-EE"/>
+            <a:endParaRPr lang="et-EE" dirty="0"/>
           </a:p>
         </p:txBody>
       </p:sp>
@@ -610,7 +615,7 @@
           <a:bodyPr/>
           <a:lstStyle/>
           <a:p>
-            <a:endParaRPr lang="et-EE"/>
+            <a:endParaRPr lang="et-EE" dirty="0"/>
           </a:p>
         </p:txBody>
       </p:sp>
@@ -633,7 +638,7 @@
               <a:rPr lang="et-EE" smtClean="0"/>
               <a:t>‹#›</a:t>
             </a:fld>
-            <a:endParaRPr lang="et-EE"/>
+            <a:endParaRPr lang="et-EE" dirty="0"/>
           </a:p>
         </p:txBody>
       </p:sp>
@@ -761,7 +766,7 @@
               <a:rPr lang="et-EE" smtClean="0"/>
               <a:t>27.06.2018</a:t>
             </a:fld>
-            <a:endParaRPr lang="et-EE"/>
+            <a:endParaRPr lang="et-EE" dirty="0"/>
           </a:p>
         </p:txBody>
       </p:sp>
@@ -780,7 +785,7 @@
           <a:bodyPr/>
           <a:lstStyle/>
           <a:p>
-            <a:endParaRPr lang="et-EE"/>
+            <a:endParaRPr lang="et-EE" dirty="0"/>
           </a:p>
         </p:txBody>
       </p:sp>
@@ -803,7 +808,7 @@
               <a:rPr lang="et-EE" smtClean="0"/>
               <a:t>‹#›</a:t>
             </a:fld>
-            <a:endParaRPr lang="et-EE"/>
+            <a:endParaRPr lang="et-EE" dirty="0"/>
           </a:p>
         </p:txBody>
       </p:sp>
@@ -1007,7 +1012,7 @@
               <a:rPr lang="et-EE" smtClean="0"/>
               <a:t>27.06.2018</a:t>
             </a:fld>
-            <a:endParaRPr lang="et-EE"/>
+            <a:endParaRPr lang="et-EE" dirty="0"/>
           </a:p>
         </p:txBody>
       </p:sp>
@@ -1026,7 +1031,7 @@
           <a:bodyPr/>
           <a:lstStyle/>
           <a:p>
-            <a:endParaRPr lang="et-EE"/>
+            <a:endParaRPr lang="et-EE" dirty="0"/>
           </a:p>
         </p:txBody>
       </p:sp>
@@ -1049,7 +1054,7 @@
               <a:rPr lang="et-EE" smtClean="0"/>
               <a:t>‹#›</a:t>
             </a:fld>
-            <a:endParaRPr lang="et-EE"/>
+            <a:endParaRPr lang="et-EE" dirty="0"/>
           </a:p>
         </p:txBody>
       </p:sp>
@@ -1239,7 +1244,7 @@
               <a:rPr lang="et-EE" smtClean="0"/>
               <a:t>27.06.2018</a:t>
             </a:fld>
-            <a:endParaRPr lang="et-EE"/>
+            <a:endParaRPr lang="et-EE" dirty="0"/>
           </a:p>
         </p:txBody>
       </p:sp>
@@ -1258,7 +1263,7 @@
           <a:bodyPr/>
           <a:lstStyle/>
           <a:p>
-            <a:endParaRPr lang="et-EE"/>
+            <a:endParaRPr lang="et-EE" dirty="0"/>
           </a:p>
         </p:txBody>
       </p:sp>
@@ -1281,7 +1286,7 @@
               <a:rPr lang="et-EE" smtClean="0"/>
               <a:t>‹#›</a:t>
             </a:fld>
-            <a:endParaRPr lang="et-EE"/>
+            <a:endParaRPr lang="et-EE" dirty="0"/>
           </a:p>
         </p:txBody>
       </p:sp>
@@ -1606,7 +1611,7 @@
               <a:rPr lang="et-EE" smtClean="0"/>
               <a:t>27.06.2018</a:t>
             </a:fld>
-            <a:endParaRPr lang="et-EE"/>
+            <a:endParaRPr lang="et-EE" dirty="0"/>
           </a:p>
         </p:txBody>
       </p:sp>
@@ -1625,7 +1630,7 @@
           <a:bodyPr/>
           <a:lstStyle/>
           <a:p>
-            <a:endParaRPr lang="et-EE"/>
+            <a:endParaRPr lang="et-EE" dirty="0"/>
           </a:p>
         </p:txBody>
       </p:sp>
@@ -1648,7 +1653,7 @@
               <a:rPr lang="et-EE" smtClean="0"/>
               <a:t>‹#›</a:t>
             </a:fld>
-            <a:endParaRPr lang="et-EE"/>
+            <a:endParaRPr lang="et-EE" dirty="0"/>
           </a:p>
         </p:txBody>
       </p:sp>
@@ -1724,7 +1729,7 @@
               <a:rPr lang="et-EE" smtClean="0"/>
               <a:t>27.06.2018</a:t>
             </a:fld>
-            <a:endParaRPr lang="et-EE"/>
+            <a:endParaRPr lang="et-EE" dirty="0"/>
           </a:p>
         </p:txBody>
       </p:sp>
@@ -1743,7 +1748,7 @@
           <a:bodyPr/>
           <a:lstStyle/>
           <a:p>
-            <a:endParaRPr lang="et-EE"/>
+            <a:endParaRPr lang="et-EE" dirty="0"/>
           </a:p>
         </p:txBody>
       </p:sp>
@@ -1766,7 +1771,7 @@
               <a:rPr lang="et-EE" smtClean="0"/>
               <a:t>‹#›</a:t>
             </a:fld>
-            <a:endParaRPr lang="et-EE"/>
+            <a:endParaRPr lang="et-EE" dirty="0"/>
           </a:p>
         </p:txBody>
       </p:sp>
@@ -1819,7 +1824,7 @@
               <a:rPr lang="et-EE" smtClean="0"/>
               <a:t>27.06.2018</a:t>
             </a:fld>
-            <a:endParaRPr lang="et-EE"/>
+            <a:endParaRPr lang="et-EE" dirty="0"/>
           </a:p>
         </p:txBody>
       </p:sp>
@@ -1838,7 +1843,7 @@
           <a:bodyPr/>
           <a:lstStyle/>
           <a:p>
-            <a:endParaRPr lang="et-EE"/>
+            <a:endParaRPr lang="et-EE" dirty="0"/>
           </a:p>
         </p:txBody>
       </p:sp>
@@ -1861,7 +1866,7 @@
               <a:rPr lang="et-EE" smtClean="0"/>
               <a:t>‹#›</a:t>
             </a:fld>
-            <a:endParaRPr lang="et-EE"/>
+            <a:endParaRPr lang="et-EE" dirty="0"/>
           </a:p>
         </p:txBody>
       </p:sp>
@@ -2096,7 +2101,7 @@
               <a:rPr lang="et-EE" smtClean="0"/>
               <a:t>27.06.2018</a:t>
             </a:fld>
-            <a:endParaRPr lang="et-EE"/>
+            <a:endParaRPr lang="et-EE" dirty="0"/>
           </a:p>
         </p:txBody>
       </p:sp>
@@ -2115,7 +2120,7 @@
           <a:bodyPr/>
           <a:lstStyle/>
           <a:p>
-            <a:endParaRPr lang="et-EE"/>
+            <a:endParaRPr lang="et-EE" dirty="0"/>
           </a:p>
         </p:txBody>
       </p:sp>
@@ -2138,7 +2143,7 @@
               <a:rPr lang="et-EE" smtClean="0"/>
               <a:t>‹#›</a:t>
             </a:fld>
-            <a:endParaRPr lang="et-EE"/>
+            <a:endParaRPr lang="et-EE" dirty="0"/>
           </a:p>
         </p:txBody>
       </p:sp>
@@ -2261,7 +2266,7 @@
             </a:lvl9pPr>
           </a:lstStyle>
           <a:p>
-            <a:endParaRPr lang="et-EE"/>
+            <a:endParaRPr lang="et-EE" dirty="0"/>
           </a:p>
         </p:txBody>
       </p:sp>
@@ -2349,7 +2354,7 @@
               <a:rPr lang="et-EE" smtClean="0"/>
               <a:t>27.06.2018</a:t>
             </a:fld>
-            <a:endParaRPr lang="et-EE"/>
+            <a:endParaRPr lang="et-EE" dirty="0"/>
           </a:p>
         </p:txBody>
       </p:sp>
@@ -2368,7 +2373,7 @@
           <a:bodyPr/>
           <a:lstStyle/>
           <a:p>
-            <a:endParaRPr lang="et-EE"/>
+            <a:endParaRPr lang="et-EE" dirty="0"/>
           </a:p>
         </p:txBody>
       </p:sp>
@@ -2391,7 +2396,7 @@
               <a:rPr lang="et-EE" smtClean="0"/>
               <a:t>‹#›</a:t>
             </a:fld>
-            <a:endParaRPr lang="et-EE"/>
+            <a:endParaRPr lang="et-EE" dirty="0"/>
           </a:p>
         </p:txBody>
       </p:sp>
@@ -2562,7 +2567,7 @@
               <a:rPr lang="et-EE" smtClean="0"/>
               <a:t>27.06.2018</a:t>
             </a:fld>
-            <a:endParaRPr lang="et-EE"/>
+            <a:endParaRPr lang="et-EE" dirty="0"/>
           </a:p>
         </p:txBody>
       </p:sp>
@@ -2599,7 +2604,7 @@
             </a:lvl1pPr>
           </a:lstStyle>
           <a:p>
-            <a:endParaRPr lang="et-EE"/>
+            <a:endParaRPr lang="et-EE" dirty="0"/>
           </a:p>
         </p:txBody>
       </p:sp>
@@ -2640,7 +2645,7 @@
               <a:rPr lang="et-EE" smtClean="0"/>
               <a:t>‹#›</a:t>
             </a:fld>
-            <a:endParaRPr lang="et-EE"/>
+            <a:endParaRPr lang="et-EE" dirty="0"/>
           </a:p>
         </p:txBody>
       </p:sp>
@@ -2980,7 +2985,7 @@
           <a:bodyPr/>
           <a:lstStyle/>
           <a:p>
-            <a:endParaRPr lang="et-EE"/>
+            <a:endParaRPr lang="et-EE" dirty="0"/>
           </a:p>
         </p:txBody>
       </p:sp>
@@ -2999,7 +3004,7 @@
           <a:bodyPr/>
           <a:lstStyle/>
           <a:p>
-            <a:endParaRPr lang="et-EE"/>
+            <a:endParaRPr lang="et-EE" dirty="0"/>
           </a:p>
         </p:txBody>
       </p:sp>
@@ -3078,7 +3083,7 @@
           <a:lstStyle/>
           <a:p>
             <a:pPr algn="ctr"/>
-            <a:endParaRPr lang="et-EE"/>
+            <a:endParaRPr lang="et-EE" dirty="0"/>
           </a:p>
         </p:txBody>
       </p:sp>
@@ -3176,7 +3181,7 @@
           <a:lstStyle/>
           <a:p>
             <a:pPr algn="ctr"/>
-            <a:endParaRPr lang="et-EE"/>
+            <a:endParaRPr lang="et-EE" dirty="0"/>
           </a:p>
         </p:txBody>
       </p:sp>
@@ -3264,7 +3269,7 @@
           <a:lstStyle/>
           <a:p>
             <a:pPr algn="ctr"/>
-            <a:endParaRPr lang="et-EE"/>
+            <a:endParaRPr lang="et-EE" dirty="0"/>
           </a:p>
         </p:txBody>
       </p:sp>
@@ -3334,15 +3339,7 @@
                 <a:ea typeface="DejaVu Sans Condensed" panose="020B0606030804020204" pitchFamily="34" charset="0"/>
                 <a:cs typeface="DejaVu Sans Condensed" panose="020B0606030804020204" pitchFamily="34" charset="0"/>
               </a:rPr>
-              <a:t>„Login“ / Klientrakendus suunab </a:t>
-            </a:r>
-            <a:r>
-              <a:rPr lang="et-EE" sz="1200" i="1" dirty="0" err="1" smtClean="0">
-                <a:latin typeface="DejaVu Sans Condensed" panose="020B0606030804020204" pitchFamily="34" charset="0"/>
-                <a:ea typeface="DejaVu Sans Condensed" panose="020B0606030804020204" pitchFamily="34" charset="0"/>
-                <a:cs typeface="DejaVu Sans Condensed" panose="020B0606030804020204" pitchFamily="34" charset="0"/>
-              </a:rPr>
-              <a:t>TARA-sse</a:t>
+              <a:t>„Login“ / Klientrakendus suunab TARA-sse</a:t>
             </a:r>
             <a:endParaRPr lang="et-EE" sz="1200" i="1" dirty="0">
               <a:latin typeface="DejaVu Sans Condensed" panose="020B0606030804020204" pitchFamily="34" charset="0"/>
@@ -3397,7 +3394,7 @@
           <a:lstStyle/>
           <a:p>
             <a:pPr algn="ctr"/>
-            <a:endParaRPr lang="et-EE"/>
+            <a:endParaRPr lang="et-EE" dirty="0"/>
           </a:p>
         </p:txBody>
       </p:sp>
@@ -3523,7 +3520,7 @@
           <a:lstStyle/>
           <a:p>
             <a:pPr algn="ctr"/>
-            <a:endParaRPr lang="et-EE"/>
+            <a:endParaRPr lang="et-EE" dirty="0"/>
           </a:p>
         </p:txBody>
       </p:sp>
@@ -4687,7 +4684,7 @@
           <a:lstStyle/>
           <a:p>
             <a:pPr algn="ctr"/>
-            <a:endParaRPr lang="et-EE"/>
+            <a:endParaRPr lang="et-EE" dirty="0"/>
           </a:p>
         </p:txBody>
       </p:sp>
@@ -4779,7 +4776,7 @@
           <a:lstStyle/>
           <a:p>
             <a:pPr algn="ctr"/>
-            <a:endParaRPr lang="et-EE"/>
+            <a:endParaRPr lang="et-EE" dirty="0"/>
           </a:p>
         </p:txBody>
       </p:sp>
@@ -4850,7 +4847,7 @@
           <a:p>
             <a:pPr algn="ctr"/>
             <a:r>
-              <a:rPr lang="et-EE" sz="1400" dirty="0" err="1">
+              <a:rPr lang="et-EE" sz="1400" dirty="0">
                 <a:latin typeface="DejaVu Sans Condensed" panose="020B0606030804020204" pitchFamily="34" charset="0"/>
                 <a:ea typeface="DejaVu Sans Condensed" panose="020B0606030804020204" pitchFamily="34" charset="0"/>
                 <a:cs typeface="DejaVu Sans Condensed" panose="020B0606030804020204" pitchFamily="34" charset="0"/>
@@ -4858,20 +4855,12 @@
               <a:t>m</a:t>
             </a:r>
             <a:r>
-              <a:rPr lang="et-EE" sz="1400" dirty="0" err="1" smtClean="0">
-                <a:latin typeface="DejaVu Sans Condensed" panose="020B0606030804020204" pitchFamily="34" charset="0"/>
-                <a:ea typeface="DejaVu Sans Condensed" panose="020B0606030804020204" pitchFamily="34" charset="0"/>
-                <a:cs typeface="DejaVu Sans Condensed" panose="020B0606030804020204" pitchFamily="34" charset="0"/>
-              </a:rPr>
-              <a:t>-ID</a:t>
-            </a:r>
-            <a:r>
               <a:rPr lang="et-EE" sz="1400" dirty="0" smtClean="0">
                 <a:latin typeface="DejaVu Sans Condensed" panose="020B0606030804020204" pitchFamily="34" charset="0"/>
                 <a:ea typeface="DejaVu Sans Condensed" panose="020B0606030804020204" pitchFamily="34" charset="0"/>
                 <a:cs typeface="DejaVu Sans Condensed" panose="020B0606030804020204" pitchFamily="34" charset="0"/>
               </a:rPr>
-              <a:t> dialoog</a:t>
+              <a:t>-ID dialoog</a:t>
             </a:r>
             <a:endParaRPr lang="et-EE" sz="1400" dirty="0">
               <a:latin typeface="DejaVu Sans Condensed" panose="020B0606030804020204" pitchFamily="34" charset="0"/>
@@ -4907,20 +4896,12 @@
           <a:p>
             <a:pPr algn="ctr"/>
             <a:r>
-              <a:rPr lang="et-EE" sz="1400" dirty="0" err="1" smtClean="0">
-                <a:latin typeface="DejaVu Sans Condensed" panose="020B0606030804020204" pitchFamily="34" charset="0"/>
-                <a:ea typeface="DejaVu Sans Condensed" panose="020B0606030804020204" pitchFamily="34" charset="0"/>
-                <a:cs typeface="DejaVu Sans Condensed" panose="020B0606030804020204" pitchFamily="34" charset="0"/>
-              </a:rPr>
-              <a:t>eIDAS</a:t>
-            </a:r>
-            <a:r>
               <a:rPr lang="et-EE" sz="1400" dirty="0" smtClean="0">
                 <a:latin typeface="DejaVu Sans Condensed" panose="020B0606030804020204" pitchFamily="34" charset="0"/>
                 <a:ea typeface="DejaVu Sans Condensed" panose="020B0606030804020204" pitchFamily="34" charset="0"/>
                 <a:cs typeface="DejaVu Sans Condensed" panose="020B0606030804020204" pitchFamily="34" charset="0"/>
               </a:rPr>
-              <a:t> dialoog</a:t>
+              <a:t>eIDAS dialoog</a:t>
             </a:r>
             <a:endParaRPr lang="et-EE" sz="1400" dirty="0">
               <a:latin typeface="DejaVu Sans Condensed" panose="020B0606030804020204" pitchFamily="34" charset="0"/>
@@ -4997,20 +4978,12 @@
           <a:p>
             <a:pPr algn="ctr"/>
             <a:r>
-              <a:rPr lang="et-EE" sz="1400" dirty="0" err="1" smtClean="0">
-                <a:latin typeface="DejaVu Sans Condensed" panose="020B0606030804020204" pitchFamily="34" charset="0"/>
-                <a:ea typeface="DejaVu Sans Condensed" panose="020B0606030804020204" pitchFamily="34" charset="0"/>
-                <a:cs typeface="DejaVu Sans Condensed" panose="020B0606030804020204" pitchFamily="34" charset="0"/>
-              </a:rPr>
-              <a:t>Smart</a:t>
-            </a:r>
-            <a:r>
               <a:rPr lang="et-EE" sz="1400" dirty="0" smtClean="0">
                 <a:latin typeface="DejaVu Sans Condensed" panose="020B0606030804020204" pitchFamily="34" charset="0"/>
                 <a:ea typeface="DejaVu Sans Condensed" panose="020B0606030804020204" pitchFamily="34" charset="0"/>
                 <a:cs typeface="DejaVu Sans Condensed" panose="020B0606030804020204" pitchFamily="34" charset="0"/>
               </a:rPr>
-              <a:t>-ID dialoog</a:t>
+              <a:t>Smart-ID dialoog</a:t>
             </a:r>
             <a:endParaRPr lang="et-EE" sz="1400" dirty="0">
               <a:latin typeface="DejaVu Sans Condensed" panose="020B0606030804020204" pitchFamily="34" charset="0"/>
@@ -5146,7 +5119,7 @@
           <a:lstStyle/>
           <a:p>
             <a:pPr algn="ctr"/>
-            <a:endParaRPr lang="et-EE"/>
+            <a:endParaRPr lang="et-EE" dirty="0"/>
           </a:p>
         </p:txBody>
       </p:sp>

--- a/Joudlus.pptx
+++ b/Joudlus.pptx
@@ -5,8 +5,8 @@
     <p:sldMasterId id="2147483648" r:id="rId1"/>
   </p:sldMasterIdLst>
   <p:sldIdLst>
-    <p:sldId id="256" r:id="rId2"/>
-    <p:sldId id="257" r:id="rId3"/>
+    <p:sldId id="257" r:id="rId2"/>
+    <p:sldId id="258" r:id="rId3"/>
   </p:sldIdLst>
   <p:sldSz cx="12192000" cy="6858000"/>
   <p:notesSz cx="6858000" cy="9144000"/>
@@ -244,7 +244,7 @@
           <a:p>
             <a:fld id="{659CF098-0C66-4B7B-8E0E-0C40719FAD9A}" type="datetimeFigureOut">
               <a:rPr lang="et-EE" smtClean="0"/>
-              <a:t>27.06.2018</a:t>
+              <a:t>28.06.2018</a:t>
             </a:fld>
             <a:endParaRPr lang="et-EE" dirty="0"/>
           </a:p>
@@ -414,7 +414,7 @@
           <a:p>
             <a:fld id="{659CF098-0C66-4B7B-8E0E-0C40719FAD9A}" type="datetimeFigureOut">
               <a:rPr lang="et-EE" smtClean="0"/>
-              <a:t>27.06.2018</a:t>
+              <a:t>28.06.2018</a:t>
             </a:fld>
             <a:endParaRPr lang="et-EE" dirty="0"/>
           </a:p>
@@ -594,7 +594,7 @@
           <a:p>
             <a:fld id="{659CF098-0C66-4B7B-8E0E-0C40719FAD9A}" type="datetimeFigureOut">
               <a:rPr lang="et-EE" smtClean="0"/>
-              <a:t>27.06.2018</a:t>
+              <a:t>28.06.2018</a:t>
             </a:fld>
             <a:endParaRPr lang="et-EE" dirty="0"/>
           </a:p>
@@ -764,7 +764,7 @@
           <a:p>
             <a:fld id="{659CF098-0C66-4B7B-8E0E-0C40719FAD9A}" type="datetimeFigureOut">
               <a:rPr lang="et-EE" smtClean="0"/>
-              <a:t>27.06.2018</a:t>
+              <a:t>28.06.2018</a:t>
             </a:fld>
             <a:endParaRPr lang="et-EE" dirty="0"/>
           </a:p>
@@ -1010,7 +1010,7 @@
           <a:p>
             <a:fld id="{659CF098-0C66-4B7B-8E0E-0C40719FAD9A}" type="datetimeFigureOut">
               <a:rPr lang="et-EE" smtClean="0"/>
-              <a:t>27.06.2018</a:t>
+              <a:t>28.06.2018</a:t>
             </a:fld>
             <a:endParaRPr lang="et-EE" dirty="0"/>
           </a:p>
@@ -1242,7 +1242,7 @@
           <a:p>
             <a:fld id="{659CF098-0C66-4B7B-8E0E-0C40719FAD9A}" type="datetimeFigureOut">
               <a:rPr lang="et-EE" smtClean="0"/>
-              <a:t>27.06.2018</a:t>
+              <a:t>28.06.2018</a:t>
             </a:fld>
             <a:endParaRPr lang="et-EE" dirty="0"/>
           </a:p>
@@ -1609,7 +1609,7 @@
           <a:p>
             <a:fld id="{659CF098-0C66-4B7B-8E0E-0C40719FAD9A}" type="datetimeFigureOut">
               <a:rPr lang="et-EE" smtClean="0"/>
-              <a:t>27.06.2018</a:t>
+              <a:t>28.06.2018</a:t>
             </a:fld>
             <a:endParaRPr lang="et-EE" dirty="0"/>
           </a:p>
@@ -1727,7 +1727,7 @@
           <a:p>
             <a:fld id="{659CF098-0C66-4B7B-8E0E-0C40719FAD9A}" type="datetimeFigureOut">
               <a:rPr lang="et-EE" smtClean="0"/>
-              <a:t>27.06.2018</a:t>
+              <a:t>28.06.2018</a:t>
             </a:fld>
             <a:endParaRPr lang="et-EE" dirty="0"/>
           </a:p>
@@ -1822,7 +1822,7 @@
           <a:p>
             <a:fld id="{659CF098-0C66-4B7B-8E0E-0C40719FAD9A}" type="datetimeFigureOut">
               <a:rPr lang="et-EE" smtClean="0"/>
-              <a:t>27.06.2018</a:t>
+              <a:t>28.06.2018</a:t>
             </a:fld>
             <a:endParaRPr lang="et-EE" dirty="0"/>
           </a:p>
@@ -2099,7 +2099,7 @@
           <a:p>
             <a:fld id="{659CF098-0C66-4B7B-8E0E-0C40719FAD9A}" type="datetimeFigureOut">
               <a:rPr lang="et-EE" smtClean="0"/>
-              <a:t>27.06.2018</a:t>
+              <a:t>28.06.2018</a:t>
             </a:fld>
             <a:endParaRPr lang="et-EE" dirty="0"/>
           </a:p>
@@ -2352,7 +2352,7 @@
           <a:p>
             <a:fld id="{659CF098-0C66-4B7B-8E0E-0C40719FAD9A}" type="datetimeFigureOut">
               <a:rPr lang="et-EE" smtClean="0"/>
-              <a:t>27.06.2018</a:t>
+              <a:t>28.06.2018</a:t>
             </a:fld>
             <a:endParaRPr lang="et-EE" dirty="0"/>
           </a:p>
@@ -2565,7 +2565,7 @@
           <a:p>
             <a:fld id="{659CF098-0C66-4B7B-8E0E-0C40719FAD9A}" type="datetimeFigureOut">
               <a:rPr lang="et-EE" smtClean="0"/>
-              <a:t>27.06.2018</a:t>
+              <a:t>28.06.2018</a:t>
             </a:fld>
             <a:endParaRPr lang="et-EE" dirty="0"/>
           </a:p>
@@ -2972,74 +2972,6 @@
       </p:grpSpPr>
       <p:sp>
         <p:nvSpPr>
-          <p:cNvPr id="2" name="Pealkiri 1"/>
-          <p:cNvSpPr>
-            <a:spLocks noGrp="1"/>
-          </p:cNvSpPr>
-          <p:nvPr>
-            <p:ph type="ctrTitle"/>
-          </p:nvPr>
-        </p:nvSpPr>
-        <p:spPr/>
-        <p:txBody>
-          <a:bodyPr/>
-          <a:lstStyle/>
-          <a:p>
-            <a:endParaRPr lang="et-EE" dirty="0"/>
-          </a:p>
-        </p:txBody>
-      </p:sp>
-      <p:sp>
-        <p:nvSpPr>
-          <p:cNvPr id="3" name="Alapealkiri 2"/>
-          <p:cNvSpPr>
-            <a:spLocks noGrp="1"/>
-          </p:cNvSpPr>
-          <p:nvPr>
-            <p:ph type="subTitle" idx="1"/>
-          </p:nvPr>
-        </p:nvSpPr>
-        <p:spPr/>
-        <p:txBody>
-          <a:bodyPr/>
-          <a:lstStyle/>
-          <a:p>
-            <a:endParaRPr lang="et-EE" dirty="0"/>
-          </a:p>
-        </p:txBody>
-      </p:sp>
-    </p:spTree>
-    <p:extLst>
-      <p:ext uri="{BB962C8B-B14F-4D97-AF65-F5344CB8AC3E}">
-        <p14:creationId xmlns:p14="http://schemas.microsoft.com/office/powerpoint/2010/main" val="796479636"/>
-      </p:ext>
-    </p:extLst>
-  </p:cSld>
-  <p:clrMapOvr>
-    <a:masterClrMapping/>
-  </p:clrMapOvr>
-</p:sld>
-</file>
-
-<file path=ppt/slides/slide2.xml><?xml version="1.0" encoding="utf-8"?>
-<p:sld xmlns:a="http://schemas.openxmlformats.org/drawingml/2006/main" xmlns:r="http://schemas.openxmlformats.org/officeDocument/2006/relationships" xmlns:p="http://schemas.openxmlformats.org/presentationml/2006/main">
-  <p:cSld>
-    <p:spTree>
-      <p:nvGrpSpPr>
-        <p:cNvPr id="1" name=""/>
-        <p:cNvGrpSpPr/>
-        <p:nvPr/>
-      </p:nvGrpSpPr>
-      <p:grpSpPr>
-        <a:xfrm>
-          <a:off x="0" y="0"/>
-          <a:ext cx="0" cy="0"/>
-          <a:chOff x="0" y="0"/>
-          <a:chExt cx="0" cy="0"/>
-        </a:xfrm>
-      </p:grpSpPr>
-      <p:sp>
-        <p:nvSpPr>
           <p:cNvPr id="2" name="Ovaal 1"/>
           <p:cNvSpPr/>
           <p:nvPr/>
@@ -5127,6 +5059,2737 @@
     <p:extLst>
       <p:ext uri="{BB962C8B-B14F-4D97-AF65-F5344CB8AC3E}">
         <p14:creationId xmlns:p14="http://schemas.microsoft.com/office/powerpoint/2010/main" val="616584124"/>
+      </p:ext>
+    </p:extLst>
+  </p:cSld>
+  <p:clrMapOvr>
+    <a:masterClrMapping/>
+  </p:clrMapOvr>
+</p:sld>
+</file>
+
+<file path=ppt/slides/slide2.xml><?xml version="1.0" encoding="utf-8"?>
+<p:sld xmlns:a="http://schemas.openxmlformats.org/drawingml/2006/main" xmlns:r="http://schemas.openxmlformats.org/officeDocument/2006/relationships" xmlns:p="http://schemas.openxmlformats.org/presentationml/2006/main">
+  <p:cSld>
+    <p:spTree>
+      <p:nvGrpSpPr>
+        <p:cNvPr id="1" name=""/>
+        <p:cNvGrpSpPr/>
+        <p:nvPr/>
+      </p:nvGrpSpPr>
+      <p:grpSpPr>
+        <a:xfrm>
+          <a:off x="0" y="0"/>
+          <a:ext cx="0" cy="0"/>
+          <a:chOff x="0" y="0"/>
+          <a:chExt cx="0" cy="0"/>
+        </a:xfrm>
+      </p:grpSpPr>
+      <p:sp>
+        <p:nvSpPr>
+          <p:cNvPr id="2" name="Ovaal 1"/>
+          <p:cNvSpPr/>
+          <p:nvPr/>
+        </p:nvSpPr>
+        <p:spPr>
+          <a:xfrm>
+            <a:off x="5131143" y="320286"/>
+            <a:ext cx="576000" cy="576000"/>
+          </a:xfrm>
+          <a:prstGeom prst="ellipse">
+            <a:avLst/>
+          </a:prstGeom>
+          <a:noFill/>
+          <a:ln w="38100">
+            <a:solidFill>
+              <a:schemeClr val="tx1">
+                <a:lumMod val="85000"/>
+                <a:lumOff val="15000"/>
+              </a:schemeClr>
+            </a:solidFill>
+          </a:ln>
+        </p:spPr>
+        <p:style>
+          <a:lnRef idx="2">
+            <a:schemeClr val="accent1">
+              <a:shade val="50000"/>
+            </a:schemeClr>
+          </a:lnRef>
+          <a:fillRef idx="1">
+            <a:schemeClr val="accent1"/>
+          </a:fillRef>
+          <a:effectRef idx="0">
+            <a:schemeClr val="accent1"/>
+          </a:effectRef>
+          <a:fontRef idx="minor">
+            <a:schemeClr val="lt1"/>
+          </a:fontRef>
+        </p:style>
+        <p:txBody>
+          <a:bodyPr rtlCol="0" anchor="ctr"/>
+          <a:lstStyle/>
+          <a:p>
+            <a:pPr algn="ctr"/>
+            <a:endParaRPr lang="et-EE" dirty="0"/>
+          </a:p>
+        </p:txBody>
+      </p:sp>
+      <p:sp>
+        <p:nvSpPr>
+          <p:cNvPr id="3" name="TextBox 2"/>
+          <p:cNvSpPr txBox="1"/>
+          <p:nvPr/>
+        </p:nvSpPr>
+        <p:spPr>
+          <a:xfrm>
+            <a:off x="3518470" y="342395"/>
+            <a:ext cx="1572866" cy="523220"/>
+          </a:xfrm>
+          <a:prstGeom prst="rect">
+            <a:avLst/>
+          </a:prstGeom>
+          <a:noFill/>
+        </p:spPr>
+        <p:txBody>
+          <a:bodyPr wrap="none" rtlCol="0">
+            <a:spAutoFit/>
+          </a:bodyPr>
+          <a:lstStyle/>
+          <a:p>
+            <a:r>
+              <a:rPr lang="et-EE" sz="1400" dirty="0" smtClean="0">
+                <a:latin typeface="DejaVu Sans Condensed" panose="020B0606030804020204" pitchFamily="34" charset="0"/>
+                <a:ea typeface="DejaVu Sans Condensed" panose="020B0606030804020204" pitchFamily="34" charset="0"/>
+                <a:cs typeface="DejaVu Sans Condensed" panose="020B0606030804020204" pitchFamily="34" charset="0"/>
+              </a:rPr>
+              <a:t>Klientrakenduses</a:t>
+            </a:r>
+          </a:p>
+          <a:p>
+            <a:pPr algn="ctr"/>
+            <a:r>
+              <a:rPr lang="et-EE" sz="1400" dirty="0" smtClean="0">
+                <a:latin typeface="DejaVu Sans Condensed" panose="020B0606030804020204" pitchFamily="34" charset="0"/>
+                <a:ea typeface="DejaVu Sans Condensed" panose="020B0606030804020204" pitchFamily="34" charset="0"/>
+                <a:cs typeface="DejaVu Sans Condensed" panose="020B0606030804020204" pitchFamily="34" charset="0"/>
+              </a:rPr>
+              <a:t>(autentimata)</a:t>
+            </a:r>
+            <a:endParaRPr lang="et-EE" sz="1400" dirty="0">
+              <a:latin typeface="DejaVu Sans Condensed" panose="020B0606030804020204" pitchFamily="34" charset="0"/>
+              <a:ea typeface="DejaVu Sans Condensed" panose="020B0606030804020204" pitchFamily="34" charset="0"/>
+              <a:cs typeface="DejaVu Sans Condensed" panose="020B0606030804020204" pitchFamily="34" charset="0"/>
+            </a:endParaRPr>
+          </a:p>
+        </p:txBody>
+      </p:sp>
+      <p:sp>
+        <p:nvSpPr>
+          <p:cNvPr id="4" name="Ovaal 3"/>
+          <p:cNvSpPr/>
+          <p:nvPr/>
+        </p:nvSpPr>
+        <p:spPr>
+          <a:xfrm>
+            <a:off x="5131143" y="5136171"/>
+            <a:ext cx="576000" cy="576000"/>
+          </a:xfrm>
+          <a:prstGeom prst="ellipse">
+            <a:avLst/>
+          </a:prstGeom>
+          <a:noFill/>
+          <a:ln w="38100">
+            <a:solidFill>
+              <a:srgbClr val="92D050"/>
+            </a:solidFill>
+          </a:ln>
+        </p:spPr>
+        <p:style>
+          <a:lnRef idx="2">
+            <a:schemeClr val="accent1">
+              <a:shade val="50000"/>
+            </a:schemeClr>
+          </a:lnRef>
+          <a:fillRef idx="1">
+            <a:schemeClr val="accent1"/>
+          </a:fillRef>
+          <a:effectRef idx="0">
+            <a:schemeClr val="accent1"/>
+          </a:effectRef>
+          <a:fontRef idx="minor">
+            <a:schemeClr val="lt1"/>
+          </a:fontRef>
+        </p:style>
+        <p:txBody>
+          <a:bodyPr rtlCol="0" anchor="ctr"/>
+          <a:lstStyle/>
+          <a:p>
+            <a:pPr algn="ctr"/>
+            <a:endParaRPr lang="et-EE" dirty="0"/>
+          </a:p>
+        </p:txBody>
+      </p:sp>
+      <p:sp>
+        <p:nvSpPr>
+          <p:cNvPr id="5" name="TextBox 4"/>
+          <p:cNvSpPr txBox="1"/>
+          <p:nvPr/>
+        </p:nvSpPr>
+        <p:spPr>
+          <a:xfrm>
+            <a:off x="4693372" y="5736808"/>
+            <a:ext cx="1578549" cy="523220"/>
+          </a:xfrm>
+          <a:prstGeom prst="rect">
+            <a:avLst/>
+          </a:prstGeom>
+          <a:noFill/>
+        </p:spPr>
+        <p:txBody>
+          <a:bodyPr wrap="square" rtlCol="0">
+            <a:spAutoFit/>
+          </a:bodyPr>
+          <a:lstStyle/>
+          <a:p>
+            <a:pPr algn="ctr"/>
+            <a:r>
+              <a:rPr lang="et-EE" sz="1400" dirty="0" smtClean="0">
+                <a:latin typeface="DejaVu Sans Condensed" panose="020B0606030804020204" pitchFamily="34" charset="0"/>
+                <a:ea typeface="DejaVu Sans Condensed" panose="020B0606030804020204" pitchFamily="34" charset="0"/>
+                <a:cs typeface="DejaVu Sans Condensed" panose="020B0606030804020204" pitchFamily="34" charset="0"/>
+              </a:rPr>
+              <a:t>Klientrakenduses (autenditult)</a:t>
+            </a:r>
+            <a:endParaRPr lang="et-EE" sz="1400" dirty="0">
+              <a:latin typeface="DejaVu Sans Condensed" panose="020B0606030804020204" pitchFamily="34" charset="0"/>
+              <a:ea typeface="DejaVu Sans Condensed" panose="020B0606030804020204" pitchFamily="34" charset="0"/>
+              <a:cs typeface="DejaVu Sans Condensed" panose="020B0606030804020204" pitchFamily="34" charset="0"/>
+            </a:endParaRPr>
+          </a:p>
+        </p:txBody>
+      </p:sp>
+      <p:sp>
+        <p:nvSpPr>
+          <p:cNvPr id="6" name="Ovaal 5"/>
+          <p:cNvSpPr/>
+          <p:nvPr/>
+        </p:nvSpPr>
+        <p:spPr>
+          <a:xfrm>
+            <a:off x="5131143" y="1483243"/>
+            <a:ext cx="576000" cy="576000"/>
+          </a:xfrm>
+          <a:prstGeom prst="ellipse">
+            <a:avLst/>
+          </a:prstGeom>
+          <a:noFill/>
+          <a:ln>
+            <a:solidFill>
+              <a:schemeClr val="tx1">
+                <a:lumMod val="85000"/>
+                <a:lumOff val="15000"/>
+              </a:schemeClr>
+            </a:solidFill>
+          </a:ln>
+        </p:spPr>
+        <p:style>
+          <a:lnRef idx="2">
+            <a:schemeClr val="accent1">
+              <a:shade val="50000"/>
+            </a:schemeClr>
+          </a:lnRef>
+          <a:fillRef idx="1">
+            <a:schemeClr val="accent1"/>
+          </a:fillRef>
+          <a:effectRef idx="0">
+            <a:schemeClr val="accent1"/>
+          </a:effectRef>
+          <a:fontRef idx="minor">
+            <a:schemeClr val="lt1"/>
+          </a:fontRef>
+        </p:style>
+        <p:txBody>
+          <a:bodyPr rtlCol="0" anchor="ctr"/>
+          <a:lstStyle/>
+          <a:p>
+            <a:pPr algn="ctr"/>
+            <a:endParaRPr lang="et-EE" dirty="0"/>
+          </a:p>
+        </p:txBody>
+      </p:sp>
+      <p:sp>
+        <p:nvSpPr>
+          <p:cNvPr id="7" name="TextBox 6"/>
+          <p:cNvSpPr txBox="1"/>
+          <p:nvPr/>
+        </p:nvSpPr>
+        <p:spPr>
+          <a:xfrm>
+            <a:off x="3882807" y="1360931"/>
+            <a:ext cx="1267976" cy="307777"/>
+          </a:xfrm>
+          <a:prstGeom prst="rect">
+            <a:avLst/>
+          </a:prstGeom>
+          <a:noFill/>
+        </p:spPr>
+        <p:txBody>
+          <a:bodyPr wrap="none" rtlCol="0">
+            <a:spAutoFit/>
+          </a:bodyPr>
+          <a:lstStyle/>
+          <a:p>
+            <a:r>
+              <a:rPr lang="et-EE" sz="1400" dirty="0" smtClean="0">
+                <a:latin typeface="DejaVu Sans Condensed" panose="020B0606030804020204" pitchFamily="34" charset="0"/>
+                <a:ea typeface="DejaVu Sans Condensed" panose="020B0606030804020204" pitchFamily="34" charset="0"/>
+                <a:cs typeface="DejaVu Sans Condensed" panose="020B0606030804020204" pitchFamily="34" charset="0"/>
+              </a:rPr>
+              <a:t>TARA esilehel</a:t>
+            </a:r>
+            <a:endParaRPr lang="et-EE" sz="1400" dirty="0">
+              <a:latin typeface="DejaVu Sans Condensed" panose="020B0606030804020204" pitchFamily="34" charset="0"/>
+              <a:ea typeface="DejaVu Sans Condensed" panose="020B0606030804020204" pitchFamily="34" charset="0"/>
+              <a:cs typeface="DejaVu Sans Condensed" panose="020B0606030804020204" pitchFamily="34" charset="0"/>
+            </a:endParaRPr>
+          </a:p>
+        </p:txBody>
+      </p:sp>
+      <p:sp>
+        <p:nvSpPr>
+          <p:cNvPr id="8" name="TextBox 7"/>
+          <p:cNvSpPr txBox="1"/>
+          <p:nvPr/>
+        </p:nvSpPr>
+        <p:spPr>
+          <a:xfrm>
+            <a:off x="2244186" y="976156"/>
+            <a:ext cx="3108864" cy="276999"/>
+          </a:xfrm>
+          <a:prstGeom prst="rect">
+            <a:avLst/>
+          </a:prstGeom>
+          <a:noFill/>
+        </p:spPr>
+        <p:txBody>
+          <a:bodyPr wrap="none" rtlCol="0">
+            <a:spAutoFit/>
+          </a:bodyPr>
+          <a:lstStyle/>
+          <a:p>
+            <a:r>
+              <a:rPr lang="et-EE" sz="1200" i="1" dirty="0" smtClean="0">
+                <a:latin typeface="DejaVu Sans Condensed" panose="020B0606030804020204" pitchFamily="34" charset="0"/>
+                <a:ea typeface="DejaVu Sans Condensed" panose="020B0606030804020204" pitchFamily="34" charset="0"/>
+                <a:cs typeface="DejaVu Sans Condensed" panose="020B0606030804020204" pitchFamily="34" charset="0"/>
+              </a:rPr>
+              <a:t>„Login“ / Klientrakendus suunab TARA-sse</a:t>
+            </a:r>
+            <a:endParaRPr lang="et-EE" sz="1200" i="1" dirty="0">
+              <a:latin typeface="DejaVu Sans Condensed" panose="020B0606030804020204" pitchFamily="34" charset="0"/>
+              <a:ea typeface="DejaVu Sans Condensed" panose="020B0606030804020204" pitchFamily="34" charset="0"/>
+              <a:cs typeface="DejaVu Sans Condensed" panose="020B0606030804020204" pitchFamily="34" charset="0"/>
+            </a:endParaRPr>
+          </a:p>
+        </p:txBody>
+      </p:sp>
+      <p:sp>
+        <p:nvSpPr>
+          <p:cNvPr id="9" name="Ovaal 8"/>
+          <p:cNvSpPr/>
+          <p:nvPr/>
+        </p:nvSpPr>
+        <p:spPr>
+          <a:xfrm>
+            <a:off x="3655797" y="5154112"/>
+            <a:ext cx="576000" cy="576000"/>
+          </a:xfrm>
+          <a:prstGeom prst="ellipse">
+            <a:avLst/>
+          </a:prstGeom>
+          <a:noFill/>
+          <a:ln w="38100">
+            <a:solidFill>
+              <a:srgbClr val="FF6347"/>
+            </a:solidFill>
+          </a:ln>
+        </p:spPr>
+        <p:style>
+          <a:lnRef idx="2">
+            <a:schemeClr val="accent1">
+              <a:shade val="50000"/>
+            </a:schemeClr>
+          </a:lnRef>
+          <a:fillRef idx="1">
+            <a:schemeClr val="accent1"/>
+          </a:fillRef>
+          <a:effectRef idx="0">
+            <a:schemeClr val="accent1"/>
+          </a:effectRef>
+          <a:fontRef idx="minor">
+            <a:schemeClr val="lt1"/>
+          </a:fontRef>
+        </p:style>
+        <p:txBody>
+          <a:bodyPr rtlCol="0" anchor="ctr"/>
+          <a:lstStyle/>
+          <a:p>
+            <a:pPr algn="ctr"/>
+            <a:endParaRPr lang="et-EE" dirty="0"/>
+          </a:p>
+        </p:txBody>
+      </p:sp>
+      <p:sp>
+        <p:nvSpPr>
+          <p:cNvPr id="16" name="TextBox 15"/>
+          <p:cNvSpPr txBox="1"/>
+          <p:nvPr/>
+        </p:nvSpPr>
+        <p:spPr>
+          <a:xfrm>
+            <a:off x="3299301" y="5789655"/>
+            <a:ext cx="1200970" cy="307777"/>
+          </a:xfrm>
+          <a:prstGeom prst="rect">
+            <a:avLst/>
+          </a:prstGeom>
+          <a:noFill/>
+        </p:spPr>
+        <p:txBody>
+          <a:bodyPr wrap="none" rtlCol="0">
+            <a:spAutoFit/>
+          </a:bodyPr>
+          <a:lstStyle/>
+          <a:p>
+            <a:r>
+              <a:rPr lang="et-EE" sz="1400" dirty="0" smtClean="0">
+                <a:latin typeface="DejaVu Sans Condensed" panose="020B0606030804020204" pitchFamily="34" charset="0"/>
+                <a:ea typeface="DejaVu Sans Condensed" panose="020B0606030804020204" pitchFamily="34" charset="0"/>
+                <a:cs typeface="DejaVu Sans Condensed" panose="020B0606030804020204" pitchFamily="34" charset="0"/>
+              </a:rPr>
+              <a:t>Sai veateate</a:t>
+            </a:r>
+            <a:endParaRPr lang="et-EE" sz="1400" dirty="0">
+              <a:latin typeface="DejaVu Sans Condensed" panose="020B0606030804020204" pitchFamily="34" charset="0"/>
+              <a:ea typeface="DejaVu Sans Condensed" panose="020B0606030804020204" pitchFamily="34" charset="0"/>
+              <a:cs typeface="DejaVu Sans Condensed" panose="020B0606030804020204" pitchFamily="34" charset="0"/>
+            </a:endParaRPr>
+          </a:p>
+        </p:txBody>
+      </p:sp>
+      <p:cxnSp>
+        <p:nvCxnSpPr>
+          <p:cNvPr id="18" name="Sirgkonnektor 17"/>
+          <p:cNvCxnSpPr/>
+          <p:nvPr/>
+        </p:nvCxnSpPr>
+        <p:spPr>
+          <a:xfrm>
+            <a:off x="9680643" y="2465698"/>
+            <a:ext cx="0" cy="1183130"/>
+          </a:xfrm>
+          <a:prstGeom prst="line">
+            <a:avLst/>
+          </a:prstGeom>
+          <a:ln w="57150">
+            <a:solidFill>
+              <a:schemeClr val="tx1">
+                <a:lumMod val="65000"/>
+                <a:lumOff val="35000"/>
+              </a:schemeClr>
+            </a:solidFill>
+            <a:prstDash val="sysDot"/>
+          </a:ln>
+        </p:spPr>
+        <p:style>
+          <a:lnRef idx="1">
+            <a:schemeClr val="accent1"/>
+          </a:lnRef>
+          <a:fillRef idx="0">
+            <a:schemeClr val="accent1"/>
+          </a:fillRef>
+          <a:effectRef idx="0">
+            <a:schemeClr val="accent1"/>
+          </a:effectRef>
+          <a:fontRef idx="minor">
+            <a:schemeClr val="tx1"/>
+          </a:fontRef>
+        </p:style>
+      </p:cxnSp>
+      <p:sp>
+        <p:nvSpPr>
+          <p:cNvPr id="19" name="Ovaal 18"/>
+          <p:cNvSpPr/>
+          <p:nvPr/>
+        </p:nvSpPr>
+        <p:spPr>
+          <a:xfrm>
+            <a:off x="6548700" y="5136171"/>
+            <a:ext cx="576000" cy="576000"/>
+          </a:xfrm>
+          <a:prstGeom prst="ellipse">
+            <a:avLst/>
+          </a:prstGeom>
+          <a:noFill/>
+          <a:ln w="38100">
+            <a:solidFill>
+              <a:srgbClr val="FF6347"/>
+            </a:solidFill>
+          </a:ln>
+        </p:spPr>
+        <p:style>
+          <a:lnRef idx="2">
+            <a:schemeClr val="accent1">
+              <a:shade val="50000"/>
+            </a:schemeClr>
+          </a:lnRef>
+          <a:fillRef idx="1">
+            <a:schemeClr val="accent1"/>
+          </a:fillRef>
+          <a:effectRef idx="0">
+            <a:schemeClr val="accent1"/>
+          </a:effectRef>
+          <a:fontRef idx="minor">
+            <a:schemeClr val="lt1"/>
+          </a:fontRef>
+        </p:style>
+        <p:txBody>
+          <a:bodyPr rtlCol="0" anchor="ctr"/>
+          <a:lstStyle/>
+          <a:p>
+            <a:pPr algn="ctr"/>
+            <a:endParaRPr lang="et-EE" dirty="0"/>
+          </a:p>
+        </p:txBody>
+      </p:sp>
+      <p:cxnSp>
+        <p:nvCxnSpPr>
+          <p:cNvPr id="20" name="Sirgkonnektor 19"/>
+          <p:cNvCxnSpPr/>
+          <p:nvPr/>
+        </p:nvCxnSpPr>
+        <p:spPr>
+          <a:xfrm>
+            <a:off x="10070357" y="2216539"/>
+            <a:ext cx="0" cy="1183130"/>
+          </a:xfrm>
+          <a:prstGeom prst="line">
+            <a:avLst/>
+          </a:prstGeom>
+          <a:ln w="57150">
+            <a:solidFill>
+              <a:schemeClr val="tx1">
+                <a:lumMod val="65000"/>
+                <a:lumOff val="35000"/>
+              </a:schemeClr>
+            </a:solidFill>
+            <a:prstDash val="sysDot"/>
+          </a:ln>
+        </p:spPr>
+        <p:style>
+          <a:lnRef idx="1">
+            <a:schemeClr val="accent1"/>
+          </a:lnRef>
+          <a:fillRef idx="0">
+            <a:schemeClr val="accent1"/>
+          </a:fillRef>
+          <a:effectRef idx="0">
+            <a:schemeClr val="accent1"/>
+          </a:effectRef>
+          <a:fontRef idx="minor">
+            <a:schemeClr val="tx1"/>
+          </a:fontRef>
+        </p:style>
+      </p:cxnSp>
+      <p:cxnSp>
+        <p:nvCxnSpPr>
+          <p:cNvPr id="21" name="Sirgkonnektor 20"/>
+          <p:cNvCxnSpPr/>
+          <p:nvPr/>
+        </p:nvCxnSpPr>
+        <p:spPr>
+          <a:xfrm>
+            <a:off x="10537893" y="2479107"/>
+            <a:ext cx="0" cy="1183130"/>
+          </a:xfrm>
+          <a:prstGeom prst="line">
+            <a:avLst/>
+          </a:prstGeom>
+          <a:ln w="57150">
+            <a:solidFill>
+              <a:schemeClr val="tx1">
+                <a:lumMod val="65000"/>
+                <a:lumOff val="35000"/>
+              </a:schemeClr>
+            </a:solidFill>
+            <a:prstDash val="sysDot"/>
+          </a:ln>
+        </p:spPr>
+        <p:style>
+          <a:lnRef idx="1">
+            <a:schemeClr val="accent1"/>
+          </a:lnRef>
+          <a:fillRef idx="0">
+            <a:schemeClr val="accent1"/>
+          </a:fillRef>
+          <a:effectRef idx="0">
+            <a:schemeClr val="accent1"/>
+          </a:effectRef>
+          <a:fontRef idx="minor">
+            <a:schemeClr val="tx1"/>
+          </a:fontRef>
+        </p:style>
+      </p:cxnSp>
+      <p:cxnSp>
+        <p:nvCxnSpPr>
+          <p:cNvPr id="22" name="Sirgkonnektor 21"/>
+          <p:cNvCxnSpPr/>
+          <p:nvPr/>
+        </p:nvCxnSpPr>
+        <p:spPr>
+          <a:xfrm>
+            <a:off x="10927607" y="2646200"/>
+            <a:ext cx="0" cy="1183130"/>
+          </a:xfrm>
+          <a:prstGeom prst="line">
+            <a:avLst/>
+          </a:prstGeom>
+          <a:ln w="57150">
+            <a:solidFill>
+              <a:schemeClr val="tx1">
+                <a:lumMod val="65000"/>
+                <a:lumOff val="35000"/>
+              </a:schemeClr>
+            </a:solidFill>
+            <a:prstDash val="sysDot"/>
+          </a:ln>
+        </p:spPr>
+        <p:style>
+          <a:lnRef idx="1">
+            <a:schemeClr val="accent1"/>
+          </a:lnRef>
+          <a:fillRef idx="0">
+            <a:schemeClr val="accent1"/>
+          </a:fillRef>
+          <a:effectRef idx="0">
+            <a:schemeClr val="accent1"/>
+          </a:effectRef>
+          <a:fontRef idx="minor">
+            <a:schemeClr val="tx1"/>
+          </a:fontRef>
+        </p:style>
+      </p:cxnSp>
+      <p:cxnSp>
+        <p:nvCxnSpPr>
+          <p:cNvPr id="23" name="Sirgkonnektor 22"/>
+          <p:cNvCxnSpPr/>
+          <p:nvPr/>
+        </p:nvCxnSpPr>
+        <p:spPr>
+          <a:xfrm>
+            <a:off x="11424326" y="2326006"/>
+            <a:ext cx="0" cy="1183130"/>
+          </a:xfrm>
+          <a:prstGeom prst="line">
+            <a:avLst/>
+          </a:prstGeom>
+          <a:ln w="57150">
+            <a:solidFill>
+              <a:schemeClr val="tx1">
+                <a:lumMod val="65000"/>
+                <a:lumOff val="35000"/>
+              </a:schemeClr>
+            </a:solidFill>
+            <a:prstDash val="sysDot"/>
+          </a:ln>
+        </p:spPr>
+        <p:style>
+          <a:lnRef idx="1">
+            <a:schemeClr val="accent1"/>
+          </a:lnRef>
+          <a:fillRef idx="0">
+            <a:schemeClr val="accent1"/>
+          </a:fillRef>
+          <a:effectRef idx="0">
+            <a:schemeClr val="accent1"/>
+          </a:effectRef>
+          <a:fontRef idx="minor">
+            <a:schemeClr val="tx1"/>
+          </a:fontRef>
+        </p:style>
+      </p:cxnSp>
+      <p:cxnSp>
+        <p:nvCxnSpPr>
+          <p:cNvPr id="25" name="Sirge noolkonnektor 24"/>
+          <p:cNvCxnSpPr>
+            <a:stCxn id="2" idx="4"/>
+            <a:endCxn id="6" idx="0"/>
+          </p:cNvCxnSpPr>
+          <p:nvPr/>
+        </p:nvCxnSpPr>
+        <p:spPr>
+          <a:xfrm>
+            <a:off x="5419143" y="896286"/>
+            <a:ext cx="0" cy="586957"/>
+          </a:xfrm>
+          <a:prstGeom prst="straightConnector1">
+            <a:avLst/>
+          </a:prstGeom>
+          <a:ln>
+            <a:solidFill>
+              <a:schemeClr val="tx1">
+                <a:lumMod val="85000"/>
+                <a:lumOff val="15000"/>
+              </a:schemeClr>
+            </a:solidFill>
+            <a:tailEnd type="arrow" w="lg" len="med"/>
+          </a:ln>
+        </p:spPr>
+        <p:style>
+          <a:lnRef idx="1">
+            <a:schemeClr val="accent1"/>
+          </a:lnRef>
+          <a:fillRef idx="0">
+            <a:schemeClr val="accent1"/>
+          </a:fillRef>
+          <a:effectRef idx="0">
+            <a:schemeClr val="accent1"/>
+          </a:effectRef>
+          <a:fontRef idx="minor">
+            <a:schemeClr val="tx1"/>
+          </a:fontRef>
+        </p:style>
+      </p:cxnSp>
+      <p:cxnSp>
+        <p:nvCxnSpPr>
+          <p:cNvPr id="26" name="Sirge noolkonnektor 25"/>
+          <p:cNvCxnSpPr>
+            <a:stCxn id="6" idx="4"/>
+          </p:cNvCxnSpPr>
+          <p:nvPr/>
+        </p:nvCxnSpPr>
+        <p:spPr>
+          <a:xfrm flipH="1">
+            <a:off x="3581400" y="2059243"/>
+            <a:ext cx="1837743" cy="586957"/>
+          </a:xfrm>
+          <a:prstGeom prst="straightConnector1">
+            <a:avLst/>
+          </a:prstGeom>
+          <a:ln>
+            <a:solidFill>
+              <a:schemeClr val="tx1">
+                <a:lumMod val="85000"/>
+                <a:lumOff val="15000"/>
+              </a:schemeClr>
+            </a:solidFill>
+            <a:tailEnd type="arrow" w="lg" len="med"/>
+          </a:ln>
+        </p:spPr>
+        <p:style>
+          <a:lnRef idx="1">
+            <a:schemeClr val="accent1"/>
+          </a:lnRef>
+          <a:fillRef idx="0">
+            <a:schemeClr val="accent1"/>
+          </a:fillRef>
+          <a:effectRef idx="0">
+            <a:schemeClr val="accent1"/>
+          </a:effectRef>
+          <a:fontRef idx="minor">
+            <a:schemeClr val="tx1"/>
+          </a:fontRef>
+        </p:style>
+      </p:cxnSp>
+      <p:cxnSp>
+        <p:nvCxnSpPr>
+          <p:cNvPr id="29" name="Sirge noolkonnektor 28"/>
+          <p:cNvCxnSpPr>
+            <a:stCxn id="6" idx="4"/>
+          </p:cNvCxnSpPr>
+          <p:nvPr/>
+        </p:nvCxnSpPr>
+        <p:spPr>
+          <a:xfrm flipH="1">
+            <a:off x="4467225" y="2059243"/>
+            <a:ext cx="951918" cy="533527"/>
+          </a:xfrm>
+          <a:prstGeom prst="straightConnector1">
+            <a:avLst/>
+          </a:prstGeom>
+          <a:ln>
+            <a:solidFill>
+              <a:schemeClr val="tx1">
+                <a:lumMod val="85000"/>
+                <a:lumOff val="15000"/>
+              </a:schemeClr>
+            </a:solidFill>
+            <a:tailEnd type="arrow" w="lg" len="med"/>
+          </a:ln>
+        </p:spPr>
+        <p:style>
+          <a:lnRef idx="1">
+            <a:schemeClr val="accent1"/>
+          </a:lnRef>
+          <a:fillRef idx="0">
+            <a:schemeClr val="accent1"/>
+          </a:fillRef>
+          <a:effectRef idx="0">
+            <a:schemeClr val="accent1"/>
+          </a:effectRef>
+          <a:fontRef idx="minor">
+            <a:schemeClr val="tx1"/>
+          </a:fontRef>
+        </p:style>
+      </p:cxnSp>
+      <p:cxnSp>
+        <p:nvCxnSpPr>
+          <p:cNvPr id="32" name="Sirge noolkonnektor 31"/>
+          <p:cNvCxnSpPr>
+            <a:stCxn id="6" idx="4"/>
+          </p:cNvCxnSpPr>
+          <p:nvPr/>
+        </p:nvCxnSpPr>
+        <p:spPr>
+          <a:xfrm flipH="1">
+            <a:off x="5353050" y="2059243"/>
+            <a:ext cx="66093" cy="617880"/>
+          </a:xfrm>
+          <a:prstGeom prst="straightConnector1">
+            <a:avLst/>
+          </a:prstGeom>
+          <a:ln>
+            <a:solidFill>
+              <a:schemeClr val="tx1">
+                <a:lumMod val="85000"/>
+                <a:lumOff val="15000"/>
+              </a:schemeClr>
+            </a:solidFill>
+            <a:tailEnd type="arrow" w="lg" len="med"/>
+          </a:ln>
+        </p:spPr>
+        <p:style>
+          <a:lnRef idx="1">
+            <a:schemeClr val="accent1"/>
+          </a:lnRef>
+          <a:fillRef idx="0">
+            <a:schemeClr val="accent1"/>
+          </a:fillRef>
+          <a:effectRef idx="0">
+            <a:schemeClr val="accent1"/>
+          </a:effectRef>
+          <a:fontRef idx="minor">
+            <a:schemeClr val="tx1"/>
+          </a:fontRef>
+        </p:style>
+      </p:cxnSp>
+      <p:cxnSp>
+        <p:nvCxnSpPr>
+          <p:cNvPr id="34" name="Sirge noolkonnektor 33"/>
+          <p:cNvCxnSpPr>
+            <a:stCxn id="6" idx="4"/>
+          </p:cNvCxnSpPr>
+          <p:nvPr/>
+        </p:nvCxnSpPr>
+        <p:spPr>
+          <a:xfrm>
+            <a:off x="5419143" y="2059243"/>
+            <a:ext cx="819733" cy="617880"/>
+          </a:xfrm>
+          <a:prstGeom prst="straightConnector1">
+            <a:avLst/>
+          </a:prstGeom>
+          <a:ln>
+            <a:solidFill>
+              <a:schemeClr val="tx1">
+                <a:lumMod val="85000"/>
+                <a:lumOff val="15000"/>
+              </a:schemeClr>
+            </a:solidFill>
+            <a:tailEnd type="arrow" w="lg" len="med"/>
+          </a:ln>
+        </p:spPr>
+        <p:style>
+          <a:lnRef idx="1">
+            <a:schemeClr val="accent1"/>
+          </a:lnRef>
+          <a:fillRef idx="0">
+            <a:schemeClr val="accent1"/>
+          </a:fillRef>
+          <a:effectRef idx="0">
+            <a:schemeClr val="accent1"/>
+          </a:effectRef>
+          <a:fontRef idx="minor">
+            <a:schemeClr val="tx1"/>
+          </a:fontRef>
+        </p:style>
+      </p:cxnSp>
+      <p:cxnSp>
+        <p:nvCxnSpPr>
+          <p:cNvPr id="36" name="Sirge noolkonnektor 35"/>
+          <p:cNvCxnSpPr>
+            <a:stCxn id="6" idx="4"/>
+          </p:cNvCxnSpPr>
+          <p:nvPr/>
+        </p:nvCxnSpPr>
+        <p:spPr>
+          <a:xfrm>
+            <a:off x="5419143" y="2059243"/>
+            <a:ext cx="1705557" cy="586957"/>
+          </a:xfrm>
+          <a:prstGeom prst="straightConnector1">
+            <a:avLst/>
+          </a:prstGeom>
+          <a:ln>
+            <a:solidFill>
+              <a:schemeClr val="tx1">
+                <a:lumMod val="85000"/>
+                <a:lumOff val="15000"/>
+              </a:schemeClr>
+            </a:solidFill>
+            <a:tailEnd type="arrow" w="lg" len="med"/>
+          </a:ln>
+        </p:spPr>
+        <p:style>
+          <a:lnRef idx="1">
+            <a:schemeClr val="accent1"/>
+          </a:lnRef>
+          <a:fillRef idx="0">
+            <a:schemeClr val="accent1"/>
+          </a:fillRef>
+          <a:effectRef idx="0">
+            <a:schemeClr val="accent1"/>
+          </a:effectRef>
+          <a:fontRef idx="minor">
+            <a:schemeClr val="tx1"/>
+          </a:fontRef>
+        </p:style>
+      </p:cxnSp>
+      <p:cxnSp>
+        <p:nvCxnSpPr>
+          <p:cNvPr id="40" name="Sirge noolkonnektor 39"/>
+          <p:cNvCxnSpPr>
+            <a:endCxn id="9" idx="0"/>
+          </p:cNvCxnSpPr>
+          <p:nvPr/>
+        </p:nvCxnSpPr>
+        <p:spPr>
+          <a:xfrm>
+            <a:off x="3595994" y="4150352"/>
+            <a:ext cx="347803" cy="1003760"/>
+          </a:xfrm>
+          <a:prstGeom prst="straightConnector1">
+            <a:avLst/>
+          </a:prstGeom>
+          <a:ln>
+            <a:solidFill>
+              <a:schemeClr val="tx1">
+                <a:lumMod val="85000"/>
+                <a:lumOff val="15000"/>
+              </a:schemeClr>
+            </a:solidFill>
+            <a:tailEnd type="arrow" w="lg" len="med"/>
+          </a:ln>
+        </p:spPr>
+        <p:style>
+          <a:lnRef idx="1">
+            <a:schemeClr val="accent1"/>
+          </a:lnRef>
+          <a:fillRef idx="0">
+            <a:schemeClr val="accent1"/>
+          </a:fillRef>
+          <a:effectRef idx="0">
+            <a:schemeClr val="accent1"/>
+          </a:effectRef>
+          <a:fontRef idx="minor">
+            <a:schemeClr val="tx1"/>
+          </a:fontRef>
+        </p:style>
+      </p:cxnSp>
+      <p:sp>
+        <p:nvSpPr>
+          <p:cNvPr id="43" name="TextBox 42"/>
+          <p:cNvSpPr txBox="1"/>
+          <p:nvPr/>
+        </p:nvSpPr>
+        <p:spPr>
+          <a:xfrm>
+            <a:off x="6349579" y="5728392"/>
+            <a:ext cx="974241" cy="307777"/>
+          </a:xfrm>
+          <a:prstGeom prst="rect">
+            <a:avLst/>
+          </a:prstGeom>
+          <a:noFill/>
+        </p:spPr>
+        <p:txBody>
+          <a:bodyPr wrap="none" rtlCol="0">
+            <a:spAutoFit/>
+          </a:bodyPr>
+          <a:lstStyle/>
+          <a:p>
+            <a:r>
+              <a:rPr lang="et-EE" sz="1400" dirty="0" smtClean="0">
+                <a:latin typeface="DejaVu Sans Condensed" panose="020B0606030804020204" pitchFamily="34" charset="0"/>
+                <a:ea typeface="DejaVu Sans Condensed" panose="020B0606030804020204" pitchFamily="34" charset="0"/>
+                <a:cs typeface="DejaVu Sans Condensed" panose="020B0606030804020204" pitchFamily="34" charset="0"/>
+              </a:rPr>
+              <a:t>Lahkunud</a:t>
+            </a:r>
+            <a:endParaRPr lang="et-EE" sz="1400" dirty="0">
+              <a:latin typeface="DejaVu Sans Condensed" panose="020B0606030804020204" pitchFamily="34" charset="0"/>
+              <a:ea typeface="DejaVu Sans Condensed" panose="020B0606030804020204" pitchFamily="34" charset="0"/>
+              <a:cs typeface="DejaVu Sans Condensed" panose="020B0606030804020204" pitchFamily="34" charset="0"/>
+            </a:endParaRPr>
+          </a:p>
+        </p:txBody>
+      </p:sp>
+      <p:cxnSp>
+        <p:nvCxnSpPr>
+          <p:cNvPr id="44" name="Sirge noolkonnektor 43"/>
+          <p:cNvCxnSpPr>
+            <a:endCxn id="4" idx="0"/>
+          </p:cNvCxnSpPr>
+          <p:nvPr/>
+        </p:nvCxnSpPr>
+        <p:spPr>
+          <a:xfrm>
+            <a:off x="4500271" y="4116370"/>
+            <a:ext cx="918872" cy="1019801"/>
+          </a:xfrm>
+          <a:prstGeom prst="straightConnector1">
+            <a:avLst/>
+          </a:prstGeom>
+          <a:ln>
+            <a:solidFill>
+              <a:schemeClr val="tx1">
+                <a:lumMod val="85000"/>
+                <a:lumOff val="15000"/>
+              </a:schemeClr>
+            </a:solidFill>
+            <a:tailEnd type="arrow" w="lg" len="med"/>
+          </a:ln>
+        </p:spPr>
+        <p:style>
+          <a:lnRef idx="1">
+            <a:schemeClr val="accent1"/>
+          </a:lnRef>
+          <a:fillRef idx="0">
+            <a:schemeClr val="accent1"/>
+          </a:fillRef>
+          <a:effectRef idx="0">
+            <a:schemeClr val="accent1"/>
+          </a:effectRef>
+          <a:fontRef idx="minor">
+            <a:schemeClr val="tx1"/>
+          </a:fontRef>
+        </p:style>
+      </p:cxnSp>
+      <p:cxnSp>
+        <p:nvCxnSpPr>
+          <p:cNvPr id="46" name="Sirge noolkonnektor 45"/>
+          <p:cNvCxnSpPr>
+            <a:endCxn id="19" idx="0"/>
+          </p:cNvCxnSpPr>
+          <p:nvPr/>
+        </p:nvCxnSpPr>
+        <p:spPr>
+          <a:xfrm>
+            <a:off x="5404548" y="4082388"/>
+            <a:ext cx="1432152" cy="1053783"/>
+          </a:xfrm>
+          <a:prstGeom prst="straightConnector1">
+            <a:avLst/>
+          </a:prstGeom>
+          <a:ln>
+            <a:solidFill>
+              <a:schemeClr val="tx1">
+                <a:lumMod val="85000"/>
+                <a:lumOff val="15000"/>
+              </a:schemeClr>
+            </a:solidFill>
+            <a:tailEnd type="arrow" w="lg" len="med"/>
+          </a:ln>
+        </p:spPr>
+        <p:style>
+          <a:lnRef idx="1">
+            <a:schemeClr val="accent1"/>
+          </a:lnRef>
+          <a:fillRef idx="0">
+            <a:schemeClr val="accent1"/>
+          </a:fillRef>
+          <a:effectRef idx="0">
+            <a:schemeClr val="accent1"/>
+          </a:effectRef>
+          <a:fontRef idx="minor">
+            <a:schemeClr val="tx1"/>
+          </a:fontRef>
+        </p:style>
+      </p:cxnSp>
+      <p:cxnSp>
+        <p:nvCxnSpPr>
+          <p:cNvPr id="48" name="Sirge noolkonnektor 47"/>
+          <p:cNvCxnSpPr>
+            <a:endCxn id="9" idx="0"/>
+          </p:cNvCxnSpPr>
+          <p:nvPr/>
+        </p:nvCxnSpPr>
+        <p:spPr>
+          <a:xfrm flipH="1">
+            <a:off x="3943797" y="4072863"/>
+            <a:ext cx="2295078" cy="1081249"/>
+          </a:xfrm>
+          <a:prstGeom prst="straightConnector1">
+            <a:avLst/>
+          </a:prstGeom>
+          <a:ln>
+            <a:solidFill>
+              <a:schemeClr val="tx1">
+                <a:lumMod val="85000"/>
+                <a:lumOff val="15000"/>
+              </a:schemeClr>
+            </a:solidFill>
+            <a:tailEnd type="arrow" w="lg" len="med"/>
+          </a:ln>
+        </p:spPr>
+        <p:style>
+          <a:lnRef idx="1">
+            <a:schemeClr val="accent1"/>
+          </a:lnRef>
+          <a:fillRef idx="0">
+            <a:schemeClr val="accent1"/>
+          </a:fillRef>
+          <a:effectRef idx="0">
+            <a:schemeClr val="accent1"/>
+          </a:effectRef>
+          <a:fontRef idx="minor">
+            <a:schemeClr val="tx1"/>
+          </a:fontRef>
+        </p:style>
+      </p:cxnSp>
+      <p:cxnSp>
+        <p:nvCxnSpPr>
+          <p:cNvPr id="51" name="Sirge noolkonnektor 50"/>
+          <p:cNvCxnSpPr>
+            <a:endCxn id="9" idx="0"/>
+          </p:cNvCxnSpPr>
+          <p:nvPr/>
+        </p:nvCxnSpPr>
+        <p:spPr>
+          <a:xfrm flipH="1">
+            <a:off x="3943797" y="4091913"/>
+            <a:ext cx="3048684" cy="1062199"/>
+          </a:xfrm>
+          <a:prstGeom prst="straightConnector1">
+            <a:avLst/>
+          </a:prstGeom>
+          <a:ln>
+            <a:solidFill>
+              <a:schemeClr val="tx1">
+                <a:lumMod val="85000"/>
+                <a:lumOff val="15000"/>
+              </a:schemeClr>
+            </a:solidFill>
+            <a:tailEnd type="arrow" w="lg" len="med"/>
+          </a:ln>
+        </p:spPr>
+        <p:style>
+          <a:lnRef idx="1">
+            <a:schemeClr val="accent1"/>
+          </a:lnRef>
+          <a:fillRef idx="0">
+            <a:schemeClr val="accent1"/>
+          </a:fillRef>
+          <a:effectRef idx="0">
+            <a:schemeClr val="accent1"/>
+          </a:effectRef>
+          <a:fontRef idx="minor">
+            <a:schemeClr val="tx1"/>
+          </a:fontRef>
+        </p:style>
+      </p:cxnSp>
+      <p:cxnSp>
+        <p:nvCxnSpPr>
+          <p:cNvPr id="53" name="Sirge noolkonnektor 52"/>
+          <p:cNvCxnSpPr>
+            <a:endCxn id="4" idx="0"/>
+          </p:cNvCxnSpPr>
+          <p:nvPr/>
+        </p:nvCxnSpPr>
+        <p:spPr>
+          <a:xfrm>
+            <a:off x="3625896" y="4145906"/>
+            <a:ext cx="1793247" cy="990265"/>
+          </a:xfrm>
+          <a:prstGeom prst="straightConnector1">
+            <a:avLst/>
+          </a:prstGeom>
+          <a:ln>
+            <a:solidFill>
+              <a:schemeClr val="tx1">
+                <a:lumMod val="85000"/>
+                <a:lumOff val="15000"/>
+              </a:schemeClr>
+            </a:solidFill>
+            <a:tailEnd type="arrow" w="lg" len="med"/>
+          </a:ln>
+        </p:spPr>
+        <p:style>
+          <a:lnRef idx="1">
+            <a:schemeClr val="accent1"/>
+          </a:lnRef>
+          <a:fillRef idx="0">
+            <a:schemeClr val="accent1"/>
+          </a:fillRef>
+          <a:effectRef idx="0">
+            <a:schemeClr val="accent1"/>
+          </a:effectRef>
+          <a:fontRef idx="minor">
+            <a:schemeClr val="tx1"/>
+          </a:fontRef>
+        </p:style>
+      </p:cxnSp>
+      <p:cxnSp>
+        <p:nvCxnSpPr>
+          <p:cNvPr id="56" name="Sirge noolkonnektor 55"/>
+          <p:cNvCxnSpPr>
+            <a:endCxn id="19" idx="0"/>
+          </p:cNvCxnSpPr>
+          <p:nvPr/>
+        </p:nvCxnSpPr>
+        <p:spPr>
+          <a:xfrm>
+            <a:off x="4532044" y="4139307"/>
+            <a:ext cx="2304656" cy="996864"/>
+          </a:xfrm>
+          <a:prstGeom prst="straightConnector1">
+            <a:avLst/>
+          </a:prstGeom>
+          <a:ln>
+            <a:solidFill>
+              <a:schemeClr val="tx1">
+                <a:lumMod val="85000"/>
+                <a:lumOff val="15000"/>
+              </a:schemeClr>
+            </a:solidFill>
+            <a:tailEnd type="arrow" w="lg" len="med"/>
+          </a:ln>
+        </p:spPr>
+        <p:style>
+          <a:lnRef idx="1">
+            <a:schemeClr val="accent1"/>
+          </a:lnRef>
+          <a:fillRef idx="0">
+            <a:schemeClr val="accent1"/>
+          </a:fillRef>
+          <a:effectRef idx="0">
+            <a:schemeClr val="accent1"/>
+          </a:effectRef>
+          <a:fontRef idx="minor">
+            <a:schemeClr val="tx1"/>
+          </a:fontRef>
+        </p:style>
+      </p:cxnSp>
+      <p:cxnSp>
+        <p:nvCxnSpPr>
+          <p:cNvPr id="58" name="Sirge noolkonnektor 57"/>
+          <p:cNvCxnSpPr>
+            <a:endCxn id="19" idx="0"/>
+          </p:cNvCxnSpPr>
+          <p:nvPr/>
+        </p:nvCxnSpPr>
+        <p:spPr>
+          <a:xfrm>
+            <a:off x="6241606" y="4082388"/>
+            <a:ext cx="595094" cy="1053783"/>
+          </a:xfrm>
+          <a:prstGeom prst="straightConnector1">
+            <a:avLst/>
+          </a:prstGeom>
+          <a:ln>
+            <a:solidFill>
+              <a:schemeClr val="tx1">
+                <a:lumMod val="85000"/>
+                <a:lumOff val="15000"/>
+              </a:schemeClr>
+            </a:solidFill>
+            <a:tailEnd type="arrow" w="lg" len="med"/>
+          </a:ln>
+        </p:spPr>
+        <p:style>
+          <a:lnRef idx="1">
+            <a:schemeClr val="accent1"/>
+          </a:lnRef>
+          <a:fillRef idx="0">
+            <a:schemeClr val="accent1"/>
+          </a:fillRef>
+          <a:effectRef idx="0">
+            <a:schemeClr val="accent1"/>
+          </a:effectRef>
+          <a:fontRef idx="minor">
+            <a:schemeClr val="tx1"/>
+          </a:fontRef>
+        </p:style>
+      </p:cxnSp>
+      <p:cxnSp>
+        <p:nvCxnSpPr>
+          <p:cNvPr id="60" name="Sirge noolkonnektor 59"/>
+          <p:cNvCxnSpPr>
+            <a:endCxn id="19" idx="0"/>
+          </p:cNvCxnSpPr>
+          <p:nvPr/>
+        </p:nvCxnSpPr>
+        <p:spPr>
+          <a:xfrm flipH="1">
+            <a:off x="6836700" y="4082388"/>
+            <a:ext cx="241964" cy="1053783"/>
+          </a:xfrm>
+          <a:prstGeom prst="straightConnector1">
+            <a:avLst/>
+          </a:prstGeom>
+          <a:ln>
+            <a:solidFill>
+              <a:schemeClr val="tx1">
+                <a:lumMod val="85000"/>
+                <a:lumOff val="15000"/>
+              </a:schemeClr>
+            </a:solidFill>
+            <a:tailEnd type="arrow" w="lg" len="med"/>
+          </a:ln>
+        </p:spPr>
+        <p:style>
+          <a:lnRef idx="1">
+            <a:schemeClr val="accent1"/>
+          </a:lnRef>
+          <a:fillRef idx="0">
+            <a:schemeClr val="accent1"/>
+          </a:fillRef>
+          <a:effectRef idx="0">
+            <a:schemeClr val="accent1"/>
+          </a:effectRef>
+          <a:fontRef idx="minor">
+            <a:schemeClr val="tx1"/>
+          </a:fontRef>
+        </p:style>
+      </p:cxnSp>
+      <p:cxnSp>
+        <p:nvCxnSpPr>
+          <p:cNvPr id="62" name="Sirge noolkonnektor 61"/>
+          <p:cNvCxnSpPr>
+            <a:endCxn id="4" idx="0"/>
+          </p:cNvCxnSpPr>
+          <p:nvPr/>
+        </p:nvCxnSpPr>
+        <p:spPr>
+          <a:xfrm flipH="1">
+            <a:off x="5419143" y="4113311"/>
+            <a:ext cx="1659521" cy="1022860"/>
+          </a:xfrm>
+          <a:prstGeom prst="straightConnector1">
+            <a:avLst/>
+          </a:prstGeom>
+          <a:ln>
+            <a:solidFill>
+              <a:schemeClr val="tx1">
+                <a:lumMod val="85000"/>
+                <a:lumOff val="15000"/>
+              </a:schemeClr>
+            </a:solidFill>
+            <a:tailEnd type="arrow" w="lg" len="med"/>
+          </a:ln>
+        </p:spPr>
+        <p:style>
+          <a:lnRef idx="1">
+            <a:schemeClr val="accent1"/>
+          </a:lnRef>
+          <a:fillRef idx="0">
+            <a:schemeClr val="accent1"/>
+          </a:fillRef>
+          <a:effectRef idx="0">
+            <a:schemeClr val="accent1"/>
+          </a:effectRef>
+          <a:fontRef idx="minor">
+            <a:schemeClr val="tx1"/>
+          </a:fontRef>
+        </p:style>
+      </p:cxnSp>
+      <p:cxnSp>
+        <p:nvCxnSpPr>
+          <p:cNvPr id="65" name="Sirge noolkonnektor 64"/>
+          <p:cNvCxnSpPr>
+            <a:endCxn id="19" idx="0"/>
+          </p:cNvCxnSpPr>
+          <p:nvPr/>
+        </p:nvCxnSpPr>
+        <p:spPr>
+          <a:xfrm>
+            <a:off x="3619534" y="4167034"/>
+            <a:ext cx="3217166" cy="969137"/>
+          </a:xfrm>
+          <a:prstGeom prst="straightConnector1">
+            <a:avLst/>
+          </a:prstGeom>
+          <a:ln>
+            <a:solidFill>
+              <a:schemeClr val="tx1">
+                <a:lumMod val="85000"/>
+                <a:lumOff val="15000"/>
+              </a:schemeClr>
+            </a:solidFill>
+            <a:tailEnd type="arrow" w="lg" len="med"/>
+          </a:ln>
+        </p:spPr>
+        <p:style>
+          <a:lnRef idx="1">
+            <a:schemeClr val="accent1"/>
+          </a:lnRef>
+          <a:fillRef idx="0">
+            <a:schemeClr val="accent1"/>
+          </a:fillRef>
+          <a:effectRef idx="0">
+            <a:schemeClr val="accent1"/>
+          </a:effectRef>
+          <a:fontRef idx="minor">
+            <a:schemeClr val="tx1"/>
+          </a:fontRef>
+        </p:style>
+      </p:cxnSp>
+      <p:cxnSp>
+        <p:nvCxnSpPr>
+          <p:cNvPr id="68" name="Sirge noolkonnektor 67"/>
+          <p:cNvCxnSpPr>
+            <a:endCxn id="9" idx="0"/>
+          </p:cNvCxnSpPr>
+          <p:nvPr/>
+        </p:nvCxnSpPr>
+        <p:spPr>
+          <a:xfrm flipH="1">
+            <a:off x="3943797" y="4145906"/>
+            <a:ext cx="572998" cy="1008206"/>
+          </a:xfrm>
+          <a:prstGeom prst="straightConnector1">
+            <a:avLst/>
+          </a:prstGeom>
+          <a:ln>
+            <a:solidFill>
+              <a:schemeClr val="tx1">
+                <a:lumMod val="85000"/>
+                <a:lumOff val="15000"/>
+              </a:schemeClr>
+            </a:solidFill>
+            <a:tailEnd type="arrow" w="lg" len="med"/>
+          </a:ln>
+        </p:spPr>
+        <p:style>
+          <a:lnRef idx="1">
+            <a:schemeClr val="accent1"/>
+          </a:lnRef>
+          <a:fillRef idx="0">
+            <a:schemeClr val="accent1"/>
+          </a:fillRef>
+          <a:effectRef idx="0">
+            <a:schemeClr val="accent1"/>
+          </a:effectRef>
+          <a:fontRef idx="minor">
+            <a:schemeClr val="tx1"/>
+          </a:fontRef>
+        </p:style>
+      </p:cxnSp>
+      <p:cxnSp>
+        <p:nvCxnSpPr>
+          <p:cNvPr id="71" name="Sirge noolkonnektor 70"/>
+          <p:cNvCxnSpPr>
+            <a:endCxn id="4" idx="0"/>
+          </p:cNvCxnSpPr>
+          <p:nvPr/>
+        </p:nvCxnSpPr>
+        <p:spPr>
+          <a:xfrm>
+            <a:off x="5386096" y="4091913"/>
+            <a:ext cx="33047" cy="1044258"/>
+          </a:xfrm>
+          <a:prstGeom prst="straightConnector1">
+            <a:avLst/>
+          </a:prstGeom>
+          <a:ln>
+            <a:solidFill>
+              <a:schemeClr val="tx1">
+                <a:lumMod val="85000"/>
+                <a:lumOff val="15000"/>
+              </a:schemeClr>
+            </a:solidFill>
+            <a:tailEnd type="arrow" w="lg" len="med"/>
+          </a:ln>
+        </p:spPr>
+        <p:style>
+          <a:lnRef idx="1">
+            <a:schemeClr val="accent1"/>
+          </a:lnRef>
+          <a:fillRef idx="0">
+            <a:schemeClr val="accent1"/>
+          </a:fillRef>
+          <a:effectRef idx="0">
+            <a:schemeClr val="accent1"/>
+          </a:effectRef>
+          <a:fontRef idx="minor">
+            <a:schemeClr val="tx1"/>
+          </a:fontRef>
+        </p:style>
+      </p:cxnSp>
+      <p:cxnSp>
+        <p:nvCxnSpPr>
+          <p:cNvPr id="74" name="Sirge noolkonnektor 73"/>
+          <p:cNvCxnSpPr>
+            <a:endCxn id="9" idx="0"/>
+          </p:cNvCxnSpPr>
+          <p:nvPr/>
+        </p:nvCxnSpPr>
+        <p:spPr>
+          <a:xfrm flipH="1">
+            <a:off x="3943797" y="4101438"/>
+            <a:ext cx="1423847" cy="1052674"/>
+          </a:xfrm>
+          <a:prstGeom prst="straightConnector1">
+            <a:avLst/>
+          </a:prstGeom>
+          <a:ln>
+            <a:solidFill>
+              <a:schemeClr val="tx1">
+                <a:lumMod val="85000"/>
+                <a:lumOff val="15000"/>
+              </a:schemeClr>
+            </a:solidFill>
+            <a:tailEnd type="arrow" w="lg" len="med"/>
+          </a:ln>
+        </p:spPr>
+        <p:style>
+          <a:lnRef idx="1">
+            <a:schemeClr val="accent1"/>
+          </a:lnRef>
+          <a:fillRef idx="0">
+            <a:schemeClr val="accent1"/>
+          </a:fillRef>
+          <a:effectRef idx="0">
+            <a:schemeClr val="accent1"/>
+          </a:effectRef>
+          <a:fontRef idx="minor">
+            <a:schemeClr val="tx1"/>
+          </a:fontRef>
+        </p:style>
+      </p:cxnSp>
+      <p:cxnSp>
+        <p:nvCxnSpPr>
+          <p:cNvPr id="76" name="Sirge noolkonnektor 75"/>
+          <p:cNvCxnSpPr>
+            <a:endCxn id="4" idx="0"/>
+          </p:cNvCxnSpPr>
+          <p:nvPr/>
+        </p:nvCxnSpPr>
+        <p:spPr>
+          <a:xfrm flipH="1">
+            <a:off x="5419143" y="4121366"/>
+            <a:ext cx="819732" cy="1014805"/>
+          </a:xfrm>
+          <a:prstGeom prst="straightConnector1">
+            <a:avLst/>
+          </a:prstGeom>
+          <a:ln>
+            <a:solidFill>
+              <a:schemeClr val="tx1">
+                <a:lumMod val="85000"/>
+                <a:lumOff val="15000"/>
+              </a:schemeClr>
+            </a:solidFill>
+            <a:tailEnd type="arrow" w="lg" len="med"/>
+          </a:ln>
+        </p:spPr>
+        <p:style>
+          <a:lnRef idx="1">
+            <a:schemeClr val="accent1"/>
+          </a:lnRef>
+          <a:fillRef idx="0">
+            <a:schemeClr val="accent1"/>
+          </a:fillRef>
+          <a:effectRef idx="0">
+            <a:schemeClr val="accent1"/>
+          </a:effectRef>
+          <a:fontRef idx="minor">
+            <a:schemeClr val="tx1"/>
+          </a:fontRef>
+        </p:style>
+      </p:cxnSp>
+      <p:sp>
+        <p:nvSpPr>
+          <p:cNvPr id="83" name="Vabakuju 82"/>
+          <p:cNvSpPr/>
+          <p:nvPr/>
+        </p:nvSpPr>
+        <p:spPr>
+          <a:xfrm>
+            <a:off x="2828925" y="1771650"/>
+            <a:ext cx="2324100" cy="3352800"/>
+          </a:xfrm>
+          <a:custGeom>
+            <a:avLst/>
+            <a:gdLst>
+              <a:gd name="connsiteX0" fmla="*/ 1104900 w 2324100"/>
+              <a:gd name="connsiteY0" fmla="*/ 3352800 h 3352800"/>
+              <a:gd name="connsiteX1" fmla="*/ 1104900 w 2324100"/>
+              <a:gd name="connsiteY1" fmla="*/ 3352800 h 3352800"/>
+              <a:gd name="connsiteX2" fmla="*/ 1019175 w 2324100"/>
+              <a:gd name="connsiteY2" fmla="*/ 3352800 h 3352800"/>
+              <a:gd name="connsiteX3" fmla="*/ 0 w 2324100"/>
+              <a:gd name="connsiteY3" fmla="*/ 2409825 h 3352800"/>
+              <a:gd name="connsiteX4" fmla="*/ 28575 w 2324100"/>
+              <a:gd name="connsiteY4" fmla="*/ 781050 h 3352800"/>
+              <a:gd name="connsiteX5" fmla="*/ 2324100 w 2324100"/>
+              <a:gd name="connsiteY5" fmla="*/ 0 h 3352800"/>
+            </a:gdLst>
+            <a:ahLst/>
+            <a:cxnLst>
+              <a:cxn ang="0">
+                <a:pos x="connsiteX0" y="connsiteY0"/>
+              </a:cxn>
+              <a:cxn ang="0">
+                <a:pos x="connsiteX1" y="connsiteY1"/>
+              </a:cxn>
+              <a:cxn ang="0">
+                <a:pos x="connsiteX2" y="connsiteY2"/>
+              </a:cxn>
+              <a:cxn ang="0">
+                <a:pos x="connsiteX3" y="connsiteY3"/>
+              </a:cxn>
+              <a:cxn ang="0">
+                <a:pos x="connsiteX4" y="connsiteY4"/>
+              </a:cxn>
+              <a:cxn ang="0">
+                <a:pos x="connsiteX5" y="connsiteY5"/>
+              </a:cxn>
+            </a:cxnLst>
+            <a:rect l="l" t="t" r="r" b="b"/>
+            <a:pathLst>
+              <a:path w="2324100" h="3352800">
+                <a:moveTo>
+                  <a:pt x="1104900" y="3352800"/>
+                </a:moveTo>
+                <a:lnTo>
+                  <a:pt x="1104900" y="3352800"/>
+                </a:lnTo>
+                <a:lnTo>
+                  <a:pt x="1019175" y="3352800"/>
+                </a:lnTo>
+                <a:lnTo>
+                  <a:pt x="0" y="2409825"/>
+                </a:lnTo>
+                <a:lnTo>
+                  <a:pt x="28575" y="781050"/>
+                </a:lnTo>
+                <a:lnTo>
+                  <a:pt x="2324100" y="0"/>
+                </a:lnTo>
+              </a:path>
+            </a:pathLst>
+          </a:custGeom>
+          <a:noFill/>
+          <a:ln>
+            <a:solidFill>
+              <a:schemeClr val="tx1">
+                <a:lumMod val="85000"/>
+                <a:lumOff val="15000"/>
+              </a:schemeClr>
+            </a:solidFill>
+            <a:tailEnd type="arrow" w="lg" len="med"/>
+          </a:ln>
+        </p:spPr>
+        <p:style>
+          <a:lnRef idx="2">
+            <a:schemeClr val="accent1">
+              <a:shade val="50000"/>
+            </a:schemeClr>
+          </a:lnRef>
+          <a:fillRef idx="1">
+            <a:schemeClr val="accent1"/>
+          </a:fillRef>
+          <a:effectRef idx="0">
+            <a:schemeClr val="accent1"/>
+          </a:effectRef>
+          <a:fontRef idx="minor">
+            <a:schemeClr val="lt1"/>
+          </a:fontRef>
+        </p:style>
+        <p:txBody>
+          <a:bodyPr rtlCol="0" anchor="ctr"/>
+          <a:lstStyle/>
+          <a:p>
+            <a:pPr algn="ctr"/>
+            <a:endParaRPr lang="et-EE" dirty="0"/>
+          </a:p>
+        </p:txBody>
+      </p:sp>
+      <p:sp>
+        <p:nvSpPr>
+          <p:cNvPr id="84" name="Vabakuju 83"/>
+          <p:cNvSpPr/>
+          <p:nvPr/>
+        </p:nvSpPr>
+        <p:spPr>
+          <a:xfrm>
+            <a:off x="5705475" y="561975"/>
+            <a:ext cx="581025" cy="1190625"/>
+          </a:xfrm>
+          <a:custGeom>
+            <a:avLst/>
+            <a:gdLst>
+              <a:gd name="connsiteX0" fmla="*/ 9525 w 581025"/>
+              <a:gd name="connsiteY0" fmla="*/ 1190625 h 1190625"/>
+              <a:gd name="connsiteX1" fmla="*/ 581025 w 581025"/>
+              <a:gd name="connsiteY1" fmla="*/ 981075 h 1190625"/>
+              <a:gd name="connsiteX2" fmla="*/ 561975 w 581025"/>
+              <a:gd name="connsiteY2" fmla="*/ 152400 h 1190625"/>
+              <a:gd name="connsiteX3" fmla="*/ 0 w 581025"/>
+              <a:gd name="connsiteY3" fmla="*/ 0 h 1190625"/>
+            </a:gdLst>
+            <a:ahLst/>
+            <a:cxnLst>
+              <a:cxn ang="0">
+                <a:pos x="connsiteX0" y="connsiteY0"/>
+              </a:cxn>
+              <a:cxn ang="0">
+                <a:pos x="connsiteX1" y="connsiteY1"/>
+              </a:cxn>
+              <a:cxn ang="0">
+                <a:pos x="connsiteX2" y="connsiteY2"/>
+              </a:cxn>
+              <a:cxn ang="0">
+                <a:pos x="connsiteX3" y="connsiteY3"/>
+              </a:cxn>
+            </a:cxnLst>
+            <a:rect l="l" t="t" r="r" b="b"/>
+            <a:pathLst>
+              <a:path w="581025" h="1190625">
+                <a:moveTo>
+                  <a:pt x="9525" y="1190625"/>
+                </a:moveTo>
+                <a:lnTo>
+                  <a:pt x="581025" y="981075"/>
+                </a:lnTo>
+                <a:lnTo>
+                  <a:pt x="561975" y="152400"/>
+                </a:lnTo>
+                <a:lnTo>
+                  <a:pt x="0" y="0"/>
+                </a:lnTo>
+              </a:path>
+            </a:pathLst>
+          </a:custGeom>
+          <a:noFill/>
+          <a:ln>
+            <a:solidFill>
+              <a:schemeClr val="tx1">
+                <a:lumMod val="85000"/>
+                <a:lumOff val="15000"/>
+              </a:schemeClr>
+            </a:solidFill>
+            <a:tailEnd type="arrow" w="lg" len="med"/>
+          </a:ln>
+        </p:spPr>
+        <p:style>
+          <a:lnRef idx="2">
+            <a:schemeClr val="accent1">
+              <a:shade val="50000"/>
+            </a:schemeClr>
+          </a:lnRef>
+          <a:fillRef idx="1">
+            <a:schemeClr val="accent1"/>
+          </a:fillRef>
+          <a:effectRef idx="0">
+            <a:schemeClr val="accent1"/>
+          </a:effectRef>
+          <a:fontRef idx="minor">
+            <a:schemeClr val="lt1"/>
+          </a:fontRef>
+        </p:style>
+        <p:txBody>
+          <a:bodyPr rtlCol="0" anchor="ctr"/>
+          <a:lstStyle/>
+          <a:p>
+            <a:pPr algn="ctr"/>
+            <a:endParaRPr lang="et-EE" dirty="0"/>
+          </a:p>
+        </p:txBody>
+      </p:sp>
+      <p:sp>
+        <p:nvSpPr>
+          <p:cNvPr id="10" name="TextBox 9"/>
+          <p:cNvSpPr txBox="1"/>
+          <p:nvPr/>
+        </p:nvSpPr>
+        <p:spPr>
+          <a:xfrm>
+            <a:off x="3051696" y="3541302"/>
+            <a:ext cx="1008709" cy="523220"/>
+          </a:xfrm>
+          <a:prstGeom prst="rect">
+            <a:avLst/>
+          </a:prstGeom>
+          <a:solidFill>
+            <a:schemeClr val="bg1"/>
+          </a:solidFill>
+        </p:spPr>
+        <p:txBody>
+          <a:bodyPr wrap="square" rtlCol="0">
+            <a:spAutoFit/>
+          </a:bodyPr>
+          <a:lstStyle/>
+          <a:p>
+            <a:pPr algn="ctr"/>
+            <a:r>
+              <a:rPr lang="et-EE" sz="1400" dirty="0" smtClean="0">
+                <a:latin typeface="DejaVu Sans Condensed" panose="020B0606030804020204" pitchFamily="34" charset="0"/>
+                <a:ea typeface="DejaVu Sans Condensed" panose="020B0606030804020204" pitchFamily="34" charset="0"/>
+                <a:cs typeface="DejaVu Sans Condensed" panose="020B0606030804020204" pitchFamily="34" charset="0"/>
+              </a:rPr>
+              <a:t>ID-kaardi dialoog</a:t>
+            </a:r>
+            <a:endParaRPr lang="et-EE" sz="1400" dirty="0">
+              <a:latin typeface="DejaVu Sans Condensed" panose="020B0606030804020204" pitchFamily="34" charset="0"/>
+              <a:ea typeface="DejaVu Sans Condensed" panose="020B0606030804020204" pitchFamily="34" charset="0"/>
+              <a:cs typeface="DejaVu Sans Condensed" panose="020B0606030804020204" pitchFamily="34" charset="0"/>
+            </a:endParaRPr>
+          </a:p>
+        </p:txBody>
+      </p:sp>
+      <p:sp>
+        <p:nvSpPr>
+          <p:cNvPr id="11" name="TextBox 10"/>
+          <p:cNvSpPr txBox="1"/>
+          <p:nvPr/>
+        </p:nvSpPr>
+        <p:spPr>
+          <a:xfrm>
+            <a:off x="3958958" y="3478483"/>
+            <a:ext cx="1027759" cy="523220"/>
+          </a:xfrm>
+          <a:prstGeom prst="rect">
+            <a:avLst/>
+          </a:prstGeom>
+          <a:solidFill>
+            <a:schemeClr val="bg1"/>
+          </a:solidFill>
+        </p:spPr>
+        <p:txBody>
+          <a:bodyPr wrap="square" rtlCol="0">
+            <a:spAutoFit/>
+          </a:bodyPr>
+          <a:lstStyle/>
+          <a:p>
+            <a:pPr algn="ctr"/>
+            <a:r>
+              <a:rPr lang="et-EE" sz="1400" dirty="0">
+                <a:latin typeface="DejaVu Sans Condensed" panose="020B0606030804020204" pitchFamily="34" charset="0"/>
+                <a:ea typeface="DejaVu Sans Condensed" panose="020B0606030804020204" pitchFamily="34" charset="0"/>
+                <a:cs typeface="DejaVu Sans Condensed" panose="020B0606030804020204" pitchFamily="34" charset="0"/>
+              </a:rPr>
+              <a:t>m</a:t>
+            </a:r>
+            <a:r>
+              <a:rPr lang="et-EE" sz="1400" dirty="0" smtClean="0">
+                <a:latin typeface="DejaVu Sans Condensed" panose="020B0606030804020204" pitchFamily="34" charset="0"/>
+                <a:ea typeface="DejaVu Sans Condensed" panose="020B0606030804020204" pitchFamily="34" charset="0"/>
+                <a:cs typeface="DejaVu Sans Condensed" panose="020B0606030804020204" pitchFamily="34" charset="0"/>
+              </a:rPr>
+              <a:t>-ID dialoog</a:t>
+            </a:r>
+            <a:endParaRPr lang="et-EE" sz="1400" dirty="0">
+              <a:latin typeface="DejaVu Sans Condensed" panose="020B0606030804020204" pitchFamily="34" charset="0"/>
+              <a:ea typeface="DejaVu Sans Condensed" panose="020B0606030804020204" pitchFamily="34" charset="0"/>
+              <a:cs typeface="DejaVu Sans Condensed" panose="020B0606030804020204" pitchFamily="34" charset="0"/>
+            </a:endParaRPr>
+          </a:p>
+        </p:txBody>
+      </p:sp>
+      <p:sp>
+        <p:nvSpPr>
+          <p:cNvPr id="12" name="TextBox 11"/>
+          <p:cNvSpPr txBox="1"/>
+          <p:nvPr/>
+        </p:nvSpPr>
+        <p:spPr>
+          <a:xfrm>
+            <a:off x="4877124" y="3497678"/>
+            <a:ext cx="885826" cy="523220"/>
+          </a:xfrm>
+          <a:prstGeom prst="rect">
+            <a:avLst/>
+          </a:prstGeom>
+          <a:solidFill>
+            <a:schemeClr val="bg1"/>
+          </a:solidFill>
+        </p:spPr>
+        <p:txBody>
+          <a:bodyPr wrap="square" rtlCol="0">
+            <a:spAutoFit/>
+          </a:bodyPr>
+          <a:lstStyle/>
+          <a:p>
+            <a:pPr algn="ctr"/>
+            <a:r>
+              <a:rPr lang="et-EE" sz="1400" dirty="0" smtClean="0">
+                <a:latin typeface="DejaVu Sans Condensed" panose="020B0606030804020204" pitchFamily="34" charset="0"/>
+                <a:ea typeface="DejaVu Sans Condensed" panose="020B0606030804020204" pitchFamily="34" charset="0"/>
+                <a:cs typeface="DejaVu Sans Condensed" panose="020B0606030804020204" pitchFamily="34" charset="0"/>
+              </a:rPr>
+              <a:t>eIDAS dialoog</a:t>
+            </a:r>
+            <a:endParaRPr lang="et-EE" sz="1400" dirty="0">
+              <a:latin typeface="DejaVu Sans Condensed" panose="020B0606030804020204" pitchFamily="34" charset="0"/>
+              <a:ea typeface="DejaVu Sans Condensed" panose="020B0606030804020204" pitchFamily="34" charset="0"/>
+              <a:cs typeface="DejaVu Sans Condensed" panose="020B0606030804020204" pitchFamily="34" charset="0"/>
+            </a:endParaRPr>
+          </a:p>
+        </p:txBody>
+      </p:sp>
+      <p:sp>
+        <p:nvSpPr>
+          <p:cNvPr id="13" name="TextBox 12"/>
+          <p:cNvSpPr txBox="1"/>
+          <p:nvPr/>
+        </p:nvSpPr>
+        <p:spPr>
+          <a:xfrm>
+            <a:off x="5706417" y="3473257"/>
+            <a:ext cx="1084908" cy="575542"/>
+          </a:xfrm>
+          <a:prstGeom prst="rect">
+            <a:avLst/>
+          </a:prstGeom>
+          <a:solidFill>
+            <a:schemeClr val="bg1"/>
+          </a:solidFill>
+        </p:spPr>
+        <p:txBody>
+          <a:bodyPr wrap="square" rtlCol="0">
+            <a:spAutoFit/>
+          </a:bodyPr>
+          <a:lstStyle/>
+          <a:p>
+            <a:pPr algn="ctr"/>
+            <a:r>
+              <a:rPr lang="et-EE" sz="1400" dirty="0" smtClean="0">
+                <a:latin typeface="DejaVu Sans Condensed" panose="020B0606030804020204" pitchFamily="34" charset="0"/>
+                <a:ea typeface="DejaVu Sans Condensed" panose="020B0606030804020204" pitchFamily="34" charset="0"/>
+                <a:cs typeface="DejaVu Sans Condensed" panose="020B0606030804020204" pitchFamily="34" charset="0"/>
+              </a:rPr>
+              <a:t>pangalingi dialoog</a:t>
+            </a:r>
+            <a:endParaRPr lang="et-EE" sz="1400" dirty="0">
+              <a:latin typeface="DejaVu Sans Condensed" panose="020B0606030804020204" pitchFamily="34" charset="0"/>
+              <a:ea typeface="DejaVu Sans Condensed" panose="020B0606030804020204" pitchFamily="34" charset="0"/>
+              <a:cs typeface="DejaVu Sans Condensed" panose="020B0606030804020204" pitchFamily="34" charset="0"/>
+            </a:endParaRPr>
+          </a:p>
+        </p:txBody>
+      </p:sp>
+      <p:sp>
+        <p:nvSpPr>
+          <p:cNvPr id="14" name="TextBox 13"/>
+          <p:cNvSpPr txBox="1"/>
+          <p:nvPr/>
+        </p:nvSpPr>
+        <p:spPr>
+          <a:xfrm>
+            <a:off x="6649861" y="3475553"/>
+            <a:ext cx="989659" cy="523220"/>
+          </a:xfrm>
+          <a:prstGeom prst="rect">
+            <a:avLst/>
+          </a:prstGeom>
+          <a:solidFill>
+            <a:schemeClr val="bg1"/>
+          </a:solidFill>
+        </p:spPr>
+        <p:txBody>
+          <a:bodyPr wrap="square" rtlCol="0">
+            <a:spAutoFit/>
+          </a:bodyPr>
+          <a:lstStyle/>
+          <a:p>
+            <a:pPr algn="ctr"/>
+            <a:r>
+              <a:rPr lang="et-EE" sz="1400" dirty="0" smtClean="0">
+                <a:latin typeface="DejaVu Sans Condensed" panose="020B0606030804020204" pitchFamily="34" charset="0"/>
+                <a:ea typeface="DejaVu Sans Condensed" panose="020B0606030804020204" pitchFamily="34" charset="0"/>
+                <a:cs typeface="DejaVu Sans Condensed" panose="020B0606030804020204" pitchFamily="34" charset="0"/>
+              </a:rPr>
+              <a:t>Smart-ID dialoog</a:t>
+            </a:r>
+            <a:endParaRPr lang="et-EE" sz="1400" dirty="0">
+              <a:latin typeface="DejaVu Sans Condensed" panose="020B0606030804020204" pitchFamily="34" charset="0"/>
+              <a:ea typeface="DejaVu Sans Condensed" panose="020B0606030804020204" pitchFamily="34" charset="0"/>
+              <a:cs typeface="DejaVu Sans Condensed" panose="020B0606030804020204" pitchFamily="34" charset="0"/>
+            </a:endParaRPr>
+          </a:p>
+        </p:txBody>
+      </p:sp>
+      <p:sp>
+        <p:nvSpPr>
+          <p:cNvPr id="85" name="TextBox 84"/>
+          <p:cNvSpPr txBox="1"/>
+          <p:nvPr/>
+        </p:nvSpPr>
+        <p:spPr>
+          <a:xfrm>
+            <a:off x="5829009" y="1939540"/>
+            <a:ext cx="1872372" cy="276999"/>
+          </a:xfrm>
+          <a:prstGeom prst="rect">
+            <a:avLst/>
+          </a:prstGeom>
+          <a:noFill/>
+        </p:spPr>
+        <p:txBody>
+          <a:bodyPr wrap="none" rtlCol="0">
+            <a:spAutoFit/>
+          </a:bodyPr>
+          <a:lstStyle/>
+          <a:p>
+            <a:r>
+              <a:rPr lang="et-EE" sz="1200" i="1" dirty="0" smtClean="0">
+                <a:latin typeface="DejaVu Sans Condensed" panose="020B0606030804020204" pitchFamily="34" charset="0"/>
+                <a:ea typeface="DejaVu Sans Condensed" panose="020B0606030804020204" pitchFamily="34" charset="0"/>
+                <a:cs typeface="DejaVu Sans Condensed" panose="020B0606030804020204" pitchFamily="34" charset="0"/>
+              </a:rPr>
+              <a:t>Valib autentimismeetodi</a:t>
+            </a:r>
+            <a:endParaRPr lang="et-EE" sz="1200" i="1" dirty="0">
+              <a:latin typeface="DejaVu Sans Condensed" panose="020B0606030804020204" pitchFamily="34" charset="0"/>
+              <a:ea typeface="DejaVu Sans Condensed" panose="020B0606030804020204" pitchFamily="34" charset="0"/>
+              <a:cs typeface="DejaVu Sans Condensed" panose="020B0606030804020204" pitchFamily="34" charset="0"/>
+            </a:endParaRPr>
+          </a:p>
+        </p:txBody>
+      </p:sp>
+      <p:sp>
+        <p:nvSpPr>
+          <p:cNvPr id="86" name="Vabakuju 85"/>
+          <p:cNvSpPr/>
+          <p:nvPr/>
+        </p:nvSpPr>
+        <p:spPr>
+          <a:xfrm rot="5400000">
+            <a:off x="5064620" y="5145649"/>
+            <a:ext cx="581025" cy="2589454"/>
+          </a:xfrm>
+          <a:custGeom>
+            <a:avLst/>
+            <a:gdLst>
+              <a:gd name="connsiteX0" fmla="*/ 9525 w 581025"/>
+              <a:gd name="connsiteY0" fmla="*/ 1190625 h 1190625"/>
+              <a:gd name="connsiteX1" fmla="*/ 581025 w 581025"/>
+              <a:gd name="connsiteY1" fmla="*/ 981075 h 1190625"/>
+              <a:gd name="connsiteX2" fmla="*/ 561975 w 581025"/>
+              <a:gd name="connsiteY2" fmla="*/ 152400 h 1190625"/>
+              <a:gd name="connsiteX3" fmla="*/ 0 w 581025"/>
+              <a:gd name="connsiteY3" fmla="*/ 0 h 1190625"/>
+            </a:gdLst>
+            <a:ahLst/>
+            <a:cxnLst>
+              <a:cxn ang="0">
+                <a:pos x="connsiteX0" y="connsiteY0"/>
+              </a:cxn>
+              <a:cxn ang="0">
+                <a:pos x="connsiteX1" y="connsiteY1"/>
+              </a:cxn>
+              <a:cxn ang="0">
+                <a:pos x="connsiteX2" y="connsiteY2"/>
+              </a:cxn>
+              <a:cxn ang="0">
+                <a:pos x="connsiteX3" y="connsiteY3"/>
+              </a:cxn>
+            </a:cxnLst>
+            <a:rect l="l" t="t" r="r" b="b"/>
+            <a:pathLst>
+              <a:path w="581025" h="1190625">
+                <a:moveTo>
+                  <a:pt x="9525" y="1190625"/>
+                </a:moveTo>
+                <a:lnTo>
+                  <a:pt x="581025" y="981075"/>
+                </a:lnTo>
+                <a:lnTo>
+                  <a:pt x="561975" y="152400"/>
+                </a:lnTo>
+                <a:lnTo>
+                  <a:pt x="0" y="0"/>
+                </a:lnTo>
+              </a:path>
+            </a:pathLst>
+          </a:custGeom>
+          <a:noFill/>
+          <a:ln>
+            <a:solidFill>
+              <a:schemeClr val="tx1">
+                <a:lumMod val="85000"/>
+                <a:lumOff val="15000"/>
+              </a:schemeClr>
+            </a:solidFill>
+            <a:tailEnd type="arrow" w="lg" len="med"/>
+          </a:ln>
+        </p:spPr>
+        <p:style>
+          <a:lnRef idx="2">
+            <a:schemeClr val="accent1">
+              <a:shade val="50000"/>
+            </a:schemeClr>
+          </a:lnRef>
+          <a:fillRef idx="1">
+            <a:schemeClr val="accent1"/>
+          </a:fillRef>
+          <a:effectRef idx="0">
+            <a:schemeClr val="accent1"/>
+          </a:effectRef>
+          <a:fontRef idx="minor">
+            <a:schemeClr val="lt1"/>
+          </a:fontRef>
+        </p:style>
+        <p:txBody>
+          <a:bodyPr rtlCol="0" anchor="ctr"/>
+          <a:lstStyle/>
+          <a:p>
+            <a:pPr algn="ctr"/>
+            <a:endParaRPr lang="et-EE" dirty="0"/>
+          </a:p>
+        </p:txBody>
+      </p:sp>
+      <p:sp>
+        <p:nvSpPr>
+          <p:cNvPr id="49" name="TextBox 48"/>
+          <p:cNvSpPr txBox="1"/>
+          <p:nvPr/>
+        </p:nvSpPr>
+        <p:spPr>
+          <a:xfrm>
+            <a:off x="5278446" y="473558"/>
+            <a:ext cx="287258" cy="307777"/>
+          </a:xfrm>
+          <a:prstGeom prst="rect">
+            <a:avLst/>
+          </a:prstGeom>
+          <a:noFill/>
+        </p:spPr>
+        <p:txBody>
+          <a:bodyPr wrap="none" rtlCol="0">
+            <a:spAutoFit/>
+          </a:bodyPr>
+          <a:lstStyle/>
+          <a:p>
+            <a:r>
+              <a:rPr lang="et-EE" sz="1400" dirty="0" smtClean="0">
+                <a:latin typeface="DejaVu Sans Condensed" panose="020B0606030804020204" pitchFamily="34" charset="0"/>
+                <a:ea typeface="DejaVu Sans Condensed" panose="020B0606030804020204" pitchFamily="34" charset="0"/>
+                <a:cs typeface="DejaVu Sans Condensed" panose="020B0606030804020204" pitchFamily="34" charset="0"/>
+              </a:rPr>
+              <a:t>1</a:t>
+            </a:r>
+            <a:endParaRPr lang="et-EE" sz="1400" dirty="0">
+              <a:latin typeface="DejaVu Sans Condensed" panose="020B0606030804020204" pitchFamily="34" charset="0"/>
+              <a:ea typeface="DejaVu Sans Condensed" panose="020B0606030804020204" pitchFamily="34" charset="0"/>
+              <a:cs typeface="DejaVu Sans Condensed" panose="020B0606030804020204" pitchFamily="34" charset="0"/>
+            </a:endParaRPr>
+          </a:p>
+        </p:txBody>
+      </p:sp>
+      <p:sp>
+        <p:nvSpPr>
+          <p:cNvPr id="50" name="TextBox 49"/>
+          <p:cNvSpPr txBox="1"/>
+          <p:nvPr/>
+        </p:nvSpPr>
+        <p:spPr>
+          <a:xfrm>
+            <a:off x="5275446" y="1635970"/>
+            <a:ext cx="287258" cy="307777"/>
+          </a:xfrm>
+          <a:prstGeom prst="rect">
+            <a:avLst/>
+          </a:prstGeom>
+          <a:noFill/>
+        </p:spPr>
+        <p:txBody>
+          <a:bodyPr wrap="none" rtlCol="0">
+            <a:spAutoFit/>
+          </a:bodyPr>
+          <a:lstStyle/>
+          <a:p>
+            <a:r>
+              <a:rPr lang="et-EE" sz="1400" dirty="0" smtClean="0">
+                <a:latin typeface="DejaVu Sans Condensed" panose="020B0606030804020204" pitchFamily="34" charset="0"/>
+                <a:ea typeface="DejaVu Sans Condensed" panose="020B0606030804020204" pitchFamily="34" charset="0"/>
+                <a:cs typeface="DejaVu Sans Condensed" panose="020B0606030804020204" pitchFamily="34" charset="0"/>
+              </a:rPr>
+              <a:t>2</a:t>
+            </a:r>
+            <a:endParaRPr lang="et-EE" sz="1400" dirty="0">
+              <a:latin typeface="DejaVu Sans Condensed" panose="020B0606030804020204" pitchFamily="34" charset="0"/>
+              <a:ea typeface="DejaVu Sans Condensed" panose="020B0606030804020204" pitchFamily="34" charset="0"/>
+              <a:cs typeface="DejaVu Sans Condensed" panose="020B0606030804020204" pitchFamily="34" charset="0"/>
+            </a:endParaRPr>
+          </a:p>
+        </p:txBody>
+      </p:sp>
+      <p:sp>
+        <p:nvSpPr>
+          <p:cNvPr id="52" name="TextBox 51"/>
+          <p:cNvSpPr txBox="1"/>
+          <p:nvPr/>
+        </p:nvSpPr>
+        <p:spPr>
+          <a:xfrm>
+            <a:off x="3450895" y="3030130"/>
+            <a:ext cx="287258" cy="307777"/>
+          </a:xfrm>
+          <a:prstGeom prst="rect">
+            <a:avLst/>
+          </a:prstGeom>
+          <a:noFill/>
+        </p:spPr>
+        <p:txBody>
+          <a:bodyPr wrap="none" rtlCol="0">
+            <a:spAutoFit/>
+          </a:bodyPr>
+          <a:lstStyle/>
+          <a:p>
+            <a:r>
+              <a:rPr lang="et-EE" sz="1400" dirty="0" smtClean="0">
+                <a:latin typeface="DejaVu Sans Condensed" panose="020B0606030804020204" pitchFamily="34" charset="0"/>
+                <a:ea typeface="DejaVu Sans Condensed" panose="020B0606030804020204" pitchFamily="34" charset="0"/>
+                <a:cs typeface="DejaVu Sans Condensed" panose="020B0606030804020204" pitchFamily="34" charset="0"/>
+              </a:rPr>
+              <a:t>3</a:t>
+            </a:r>
+            <a:endParaRPr lang="et-EE" sz="1400" dirty="0">
+              <a:latin typeface="DejaVu Sans Condensed" panose="020B0606030804020204" pitchFamily="34" charset="0"/>
+              <a:ea typeface="DejaVu Sans Condensed" panose="020B0606030804020204" pitchFamily="34" charset="0"/>
+              <a:cs typeface="DejaVu Sans Condensed" panose="020B0606030804020204" pitchFamily="34" charset="0"/>
+            </a:endParaRPr>
+          </a:p>
+        </p:txBody>
+      </p:sp>
+      <p:sp>
+        <p:nvSpPr>
+          <p:cNvPr id="54" name="Ovaal 53"/>
+          <p:cNvSpPr/>
+          <p:nvPr/>
+        </p:nvSpPr>
+        <p:spPr>
+          <a:xfrm>
+            <a:off x="3286936" y="2876695"/>
+            <a:ext cx="576000" cy="576000"/>
+          </a:xfrm>
+          <a:prstGeom prst="ellipse">
+            <a:avLst/>
+          </a:prstGeom>
+          <a:noFill/>
+          <a:ln>
+            <a:solidFill>
+              <a:schemeClr val="tx1">
+                <a:lumMod val="85000"/>
+                <a:lumOff val="15000"/>
+              </a:schemeClr>
+            </a:solidFill>
+          </a:ln>
+        </p:spPr>
+        <p:style>
+          <a:lnRef idx="2">
+            <a:schemeClr val="accent1">
+              <a:shade val="50000"/>
+            </a:schemeClr>
+          </a:lnRef>
+          <a:fillRef idx="1">
+            <a:schemeClr val="accent1"/>
+          </a:fillRef>
+          <a:effectRef idx="0">
+            <a:schemeClr val="accent1"/>
+          </a:effectRef>
+          <a:fontRef idx="minor">
+            <a:schemeClr val="lt1"/>
+          </a:fontRef>
+        </p:style>
+        <p:txBody>
+          <a:bodyPr rtlCol="0" anchor="ctr"/>
+          <a:lstStyle/>
+          <a:p>
+            <a:pPr algn="ctr"/>
+            <a:endParaRPr lang="et-EE" dirty="0"/>
+          </a:p>
+        </p:txBody>
+      </p:sp>
+      <p:sp>
+        <p:nvSpPr>
+          <p:cNvPr id="55" name="Ovaal 54"/>
+          <p:cNvSpPr/>
+          <p:nvPr/>
+        </p:nvSpPr>
+        <p:spPr>
+          <a:xfrm>
+            <a:off x="4144185" y="2862155"/>
+            <a:ext cx="576000" cy="576000"/>
+          </a:xfrm>
+          <a:prstGeom prst="ellipse">
+            <a:avLst/>
+          </a:prstGeom>
+          <a:noFill/>
+          <a:ln>
+            <a:solidFill>
+              <a:schemeClr val="tx1">
+                <a:lumMod val="85000"/>
+                <a:lumOff val="15000"/>
+              </a:schemeClr>
+            </a:solidFill>
+          </a:ln>
+        </p:spPr>
+        <p:style>
+          <a:lnRef idx="2">
+            <a:schemeClr val="accent1">
+              <a:shade val="50000"/>
+            </a:schemeClr>
+          </a:lnRef>
+          <a:fillRef idx="1">
+            <a:schemeClr val="accent1"/>
+          </a:fillRef>
+          <a:effectRef idx="0">
+            <a:schemeClr val="accent1"/>
+          </a:effectRef>
+          <a:fontRef idx="minor">
+            <a:schemeClr val="lt1"/>
+          </a:fontRef>
+        </p:style>
+        <p:txBody>
+          <a:bodyPr rtlCol="0" anchor="ctr"/>
+          <a:lstStyle/>
+          <a:p>
+            <a:pPr algn="ctr"/>
+            <a:endParaRPr lang="et-EE" dirty="0"/>
+          </a:p>
+        </p:txBody>
+      </p:sp>
+      <p:sp>
+        <p:nvSpPr>
+          <p:cNvPr id="57" name="Ovaal 56"/>
+          <p:cNvSpPr/>
+          <p:nvPr/>
+        </p:nvSpPr>
+        <p:spPr>
+          <a:xfrm>
+            <a:off x="5001434" y="2847615"/>
+            <a:ext cx="576000" cy="576000"/>
+          </a:xfrm>
+          <a:prstGeom prst="ellipse">
+            <a:avLst/>
+          </a:prstGeom>
+          <a:noFill/>
+          <a:ln>
+            <a:solidFill>
+              <a:schemeClr val="tx1">
+                <a:lumMod val="85000"/>
+                <a:lumOff val="15000"/>
+              </a:schemeClr>
+            </a:solidFill>
+          </a:ln>
+        </p:spPr>
+        <p:style>
+          <a:lnRef idx="2">
+            <a:schemeClr val="accent1">
+              <a:shade val="50000"/>
+            </a:schemeClr>
+          </a:lnRef>
+          <a:fillRef idx="1">
+            <a:schemeClr val="accent1"/>
+          </a:fillRef>
+          <a:effectRef idx="0">
+            <a:schemeClr val="accent1"/>
+          </a:effectRef>
+          <a:fontRef idx="minor">
+            <a:schemeClr val="lt1"/>
+          </a:fontRef>
+        </p:style>
+        <p:txBody>
+          <a:bodyPr rtlCol="0" anchor="ctr"/>
+          <a:lstStyle/>
+          <a:p>
+            <a:pPr algn="ctr"/>
+            <a:endParaRPr lang="et-EE" dirty="0"/>
+          </a:p>
+        </p:txBody>
+      </p:sp>
+      <p:sp>
+        <p:nvSpPr>
+          <p:cNvPr id="59" name="Ovaal 58"/>
+          <p:cNvSpPr/>
+          <p:nvPr/>
+        </p:nvSpPr>
+        <p:spPr>
+          <a:xfrm>
+            <a:off x="5858683" y="2833075"/>
+            <a:ext cx="576000" cy="576000"/>
+          </a:xfrm>
+          <a:prstGeom prst="ellipse">
+            <a:avLst/>
+          </a:prstGeom>
+          <a:noFill/>
+          <a:ln>
+            <a:solidFill>
+              <a:schemeClr val="tx1">
+                <a:lumMod val="85000"/>
+                <a:lumOff val="15000"/>
+              </a:schemeClr>
+            </a:solidFill>
+          </a:ln>
+        </p:spPr>
+        <p:style>
+          <a:lnRef idx="2">
+            <a:schemeClr val="accent1">
+              <a:shade val="50000"/>
+            </a:schemeClr>
+          </a:lnRef>
+          <a:fillRef idx="1">
+            <a:schemeClr val="accent1"/>
+          </a:fillRef>
+          <a:effectRef idx="0">
+            <a:schemeClr val="accent1"/>
+          </a:effectRef>
+          <a:fontRef idx="minor">
+            <a:schemeClr val="lt1"/>
+          </a:fontRef>
+        </p:style>
+        <p:txBody>
+          <a:bodyPr rtlCol="0" anchor="ctr"/>
+          <a:lstStyle/>
+          <a:p>
+            <a:pPr algn="ctr"/>
+            <a:endParaRPr lang="et-EE" dirty="0"/>
+          </a:p>
+        </p:txBody>
+      </p:sp>
+      <p:sp>
+        <p:nvSpPr>
+          <p:cNvPr id="61" name="Ovaal 60"/>
+          <p:cNvSpPr/>
+          <p:nvPr/>
+        </p:nvSpPr>
+        <p:spPr>
+          <a:xfrm>
+            <a:off x="6715932" y="2818535"/>
+            <a:ext cx="576000" cy="576000"/>
+          </a:xfrm>
+          <a:prstGeom prst="ellipse">
+            <a:avLst/>
+          </a:prstGeom>
+          <a:noFill/>
+          <a:ln>
+            <a:solidFill>
+              <a:schemeClr val="tx1">
+                <a:lumMod val="85000"/>
+                <a:lumOff val="15000"/>
+              </a:schemeClr>
+            </a:solidFill>
+          </a:ln>
+        </p:spPr>
+        <p:style>
+          <a:lnRef idx="2">
+            <a:schemeClr val="accent1">
+              <a:shade val="50000"/>
+            </a:schemeClr>
+          </a:lnRef>
+          <a:fillRef idx="1">
+            <a:schemeClr val="accent1"/>
+          </a:fillRef>
+          <a:effectRef idx="0">
+            <a:schemeClr val="accent1"/>
+          </a:effectRef>
+          <a:fontRef idx="minor">
+            <a:schemeClr val="lt1"/>
+          </a:fontRef>
+        </p:style>
+        <p:txBody>
+          <a:bodyPr rtlCol="0" anchor="ctr"/>
+          <a:lstStyle/>
+          <a:p>
+            <a:pPr algn="ctr"/>
+            <a:endParaRPr lang="et-EE" dirty="0"/>
+          </a:p>
+        </p:txBody>
+      </p:sp>
+      <p:sp>
+        <p:nvSpPr>
+          <p:cNvPr id="63" name="TextBox 62"/>
+          <p:cNvSpPr txBox="1"/>
+          <p:nvPr/>
+        </p:nvSpPr>
+        <p:spPr>
+          <a:xfrm>
+            <a:off x="4285552" y="3006382"/>
+            <a:ext cx="287258" cy="307777"/>
+          </a:xfrm>
+          <a:prstGeom prst="rect">
+            <a:avLst/>
+          </a:prstGeom>
+          <a:noFill/>
+        </p:spPr>
+        <p:txBody>
+          <a:bodyPr wrap="none" rtlCol="0">
+            <a:spAutoFit/>
+          </a:bodyPr>
+          <a:lstStyle/>
+          <a:p>
+            <a:r>
+              <a:rPr lang="et-EE" sz="1400" dirty="0" smtClean="0">
+                <a:latin typeface="DejaVu Sans Condensed" panose="020B0606030804020204" pitchFamily="34" charset="0"/>
+                <a:ea typeface="DejaVu Sans Condensed" panose="020B0606030804020204" pitchFamily="34" charset="0"/>
+                <a:cs typeface="DejaVu Sans Condensed" panose="020B0606030804020204" pitchFamily="34" charset="0"/>
+              </a:rPr>
+              <a:t>4</a:t>
+            </a:r>
+            <a:endParaRPr lang="et-EE" sz="1400" dirty="0">
+              <a:latin typeface="DejaVu Sans Condensed" panose="020B0606030804020204" pitchFamily="34" charset="0"/>
+              <a:ea typeface="DejaVu Sans Condensed" panose="020B0606030804020204" pitchFamily="34" charset="0"/>
+              <a:cs typeface="DejaVu Sans Condensed" panose="020B0606030804020204" pitchFamily="34" charset="0"/>
+            </a:endParaRPr>
+          </a:p>
+        </p:txBody>
+      </p:sp>
+      <p:sp>
+        <p:nvSpPr>
+          <p:cNvPr id="64" name="TextBox 63"/>
+          <p:cNvSpPr txBox="1"/>
+          <p:nvPr/>
+        </p:nvSpPr>
+        <p:spPr>
+          <a:xfrm>
+            <a:off x="5150021" y="2991119"/>
+            <a:ext cx="287258" cy="307777"/>
+          </a:xfrm>
+          <a:prstGeom prst="rect">
+            <a:avLst/>
+          </a:prstGeom>
+          <a:noFill/>
+        </p:spPr>
+        <p:txBody>
+          <a:bodyPr wrap="none" rtlCol="0">
+            <a:spAutoFit/>
+          </a:bodyPr>
+          <a:lstStyle/>
+          <a:p>
+            <a:r>
+              <a:rPr lang="et-EE" sz="1400" dirty="0" smtClean="0">
+                <a:latin typeface="DejaVu Sans Condensed" panose="020B0606030804020204" pitchFamily="34" charset="0"/>
+                <a:ea typeface="DejaVu Sans Condensed" panose="020B0606030804020204" pitchFamily="34" charset="0"/>
+                <a:cs typeface="DejaVu Sans Condensed" panose="020B0606030804020204" pitchFamily="34" charset="0"/>
+              </a:rPr>
+              <a:t>5</a:t>
+            </a:r>
+            <a:endParaRPr lang="et-EE" sz="1400" dirty="0">
+              <a:latin typeface="DejaVu Sans Condensed" panose="020B0606030804020204" pitchFamily="34" charset="0"/>
+              <a:ea typeface="DejaVu Sans Condensed" panose="020B0606030804020204" pitchFamily="34" charset="0"/>
+              <a:cs typeface="DejaVu Sans Condensed" panose="020B0606030804020204" pitchFamily="34" charset="0"/>
+            </a:endParaRPr>
+          </a:p>
+        </p:txBody>
+      </p:sp>
+      <p:sp>
+        <p:nvSpPr>
+          <p:cNvPr id="66" name="TextBox 65"/>
+          <p:cNvSpPr txBox="1"/>
+          <p:nvPr/>
+        </p:nvSpPr>
+        <p:spPr>
+          <a:xfrm>
+            <a:off x="6010274" y="2979501"/>
+            <a:ext cx="287258" cy="307777"/>
+          </a:xfrm>
+          <a:prstGeom prst="rect">
+            <a:avLst/>
+          </a:prstGeom>
+          <a:noFill/>
+        </p:spPr>
+        <p:txBody>
+          <a:bodyPr wrap="none" rtlCol="0">
+            <a:spAutoFit/>
+          </a:bodyPr>
+          <a:lstStyle/>
+          <a:p>
+            <a:r>
+              <a:rPr lang="et-EE" sz="1400" dirty="0" smtClean="0">
+                <a:latin typeface="DejaVu Sans Condensed" panose="020B0606030804020204" pitchFamily="34" charset="0"/>
+                <a:ea typeface="DejaVu Sans Condensed" panose="020B0606030804020204" pitchFamily="34" charset="0"/>
+                <a:cs typeface="DejaVu Sans Condensed" panose="020B0606030804020204" pitchFamily="34" charset="0"/>
+              </a:rPr>
+              <a:t>6</a:t>
+            </a:r>
+            <a:endParaRPr lang="et-EE" sz="1400" dirty="0">
+              <a:latin typeface="DejaVu Sans Condensed" panose="020B0606030804020204" pitchFamily="34" charset="0"/>
+              <a:ea typeface="DejaVu Sans Condensed" panose="020B0606030804020204" pitchFamily="34" charset="0"/>
+              <a:cs typeface="DejaVu Sans Condensed" panose="020B0606030804020204" pitchFamily="34" charset="0"/>
+            </a:endParaRPr>
+          </a:p>
+        </p:txBody>
+      </p:sp>
+      <p:sp>
+        <p:nvSpPr>
+          <p:cNvPr id="67" name="TextBox 66"/>
+          <p:cNvSpPr txBox="1"/>
+          <p:nvPr/>
+        </p:nvSpPr>
+        <p:spPr>
+          <a:xfrm>
+            <a:off x="6865835" y="2967186"/>
+            <a:ext cx="287258" cy="307777"/>
+          </a:xfrm>
+          <a:prstGeom prst="rect">
+            <a:avLst/>
+          </a:prstGeom>
+          <a:noFill/>
+        </p:spPr>
+        <p:txBody>
+          <a:bodyPr wrap="none" rtlCol="0">
+            <a:spAutoFit/>
+          </a:bodyPr>
+          <a:lstStyle/>
+          <a:p>
+            <a:r>
+              <a:rPr lang="et-EE" sz="1400" dirty="0" smtClean="0">
+                <a:latin typeface="DejaVu Sans Condensed" panose="020B0606030804020204" pitchFamily="34" charset="0"/>
+                <a:ea typeface="DejaVu Sans Condensed" panose="020B0606030804020204" pitchFamily="34" charset="0"/>
+                <a:cs typeface="DejaVu Sans Condensed" panose="020B0606030804020204" pitchFamily="34" charset="0"/>
+              </a:rPr>
+              <a:t>7</a:t>
+            </a:r>
+            <a:endParaRPr lang="et-EE" sz="1400" dirty="0">
+              <a:latin typeface="DejaVu Sans Condensed" panose="020B0606030804020204" pitchFamily="34" charset="0"/>
+              <a:ea typeface="DejaVu Sans Condensed" panose="020B0606030804020204" pitchFamily="34" charset="0"/>
+              <a:cs typeface="DejaVu Sans Condensed" panose="020B0606030804020204" pitchFamily="34" charset="0"/>
+            </a:endParaRPr>
+          </a:p>
+        </p:txBody>
+      </p:sp>
+      <p:sp>
+        <p:nvSpPr>
+          <p:cNvPr id="69" name="TextBox 68"/>
+          <p:cNvSpPr txBox="1"/>
+          <p:nvPr/>
+        </p:nvSpPr>
+        <p:spPr>
+          <a:xfrm>
+            <a:off x="3798618" y="5317995"/>
+            <a:ext cx="287258" cy="307777"/>
+          </a:xfrm>
+          <a:prstGeom prst="rect">
+            <a:avLst/>
+          </a:prstGeom>
+          <a:noFill/>
+        </p:spPr>
+        <p:txBody>
+          <a:bodyPr wrap="none" rtlCol="0">
+            <a:spAutoFit/>
+          </a:bodyPr>
+          <a:lstStyle/>
+          <a:p>
+            <a:r>
+              <a:rPr lang="et-EE" sz="1400" dirty="0" smtClean="0">
+                <a:latin typeface="DejaVu Sans Condensed" panose="020B0606030804020204" pitchFamily="34" charset="0"/>
+                <a:ea typeface="DejaVu Sans Condensed" panose="020B0606030804020204" pitchFamily="34" charset="0"/>
+                <a:cs typeface="DejaVu Sans Condensed" panose="020B0606030804020204" pitchFamily="34" charset="0"/>
+              </a:rPr>
+              <a:t>8</a:t>
+            </a:r>
+            <a:endParaRPr lang="et-EE" sz="1400" dirty="0">
+              <a:latin typeface="DejaVu Sans Condensed" panose="020B0606030804020204" pitchFamily="34" charset="0"/>
+              <a:ea typeface="DejaVu Sans Condensed" panose="020B0606030804020204" pitchFamily="34" charset="0"/>
+              <a:cs typeface="DejaVu Sans Condensed" panose="020B0606030804020204" pitchFamily="34" charset="0"/>
+            </a:endParaRPr>
+          </a:p>
+        </p:txBody>
+      </p:sp>
+      <p:sp>
+        <p:nvSpPr>
+          <p:cNvPr id="70" name="TextBox 69"/>
+          <p:cNvSpPr txBox="1"/>
+          <p:nvPr/>
+        </p:nvSpPr>
+        <p:spPr>
+          <a:xfrm>
+            <a:off x="5273137" y="5290326"/>
+            <a:ext cx="287258" cy="307777"/>
+          </a:xfrm>
+          <a:prstGeom prst="rect">
+            <a:avLst/>
+          </a:prstGeom>
+          <a:noFill/>
+        </p:spPr>
+        <p:txBody>
+          <a:bodyPr wrap="none" rtlCol="0">
+            <a:spAutoFit/>
+          </a:bodyPr>
+          <a:lstStyle/>
+          <a:p>
+            <a:r>
+              <a:rPr lang="et-EE" sz="1400" dirty="0" smtClean="0">
+                <a:latin typeface="DejaVu Sans Condensed" panose="020B0606030804020204" pitchFamily="34" charset="0"/>
+                <a:ea typeface="DejaVu Sans Condensed" panose="020B0606030804020204" pitchFamily="34" charset="0"/>
+                <a:cs typeface="DejaVu Sans Condensed" panose="020B0606030804020204" pitchFamily="34" charset="0"/>
+              </a:rPr>
+              <a:t>9</a:t>
+            </a:r>
+            <a:endParaRPr lang="et-EE" sz="1400" dirty="0">
+              <a:latin typeface="DejaVu Sans Condensed" panose="020B0606030804020204" pitchFamily="34" charset="0"/>
+              <a:ea typeface="DejaVu Sans Condensed" panose="020B0606030804020204" pitchFamily="34" charset="0"/>
+              <a:cs typeface="DejaVu Sans Condensed" panose="020B0606030804020204" pitchFamily="34" charset="0"/>
+            </a:endParaRPr>
+          </a:p>
+        </p:txBody>
+      </p:sp>
+      <p:sp>
+        <p:nvSpPr>
+          <p:cNvPr id="72" name="TextBox 71"/>
+          <p:cNvSpPr txBox="1"/>
+          <p:nvPr/>
+        </p:nvSpPr>
+        <p:spPr>
+          <a:xfrm>
+            <a:off x="6645814" y="5279253"/>
+            <a:ext cx="389850" cy="307777"/>
+          </a:xfrm>
+          <a:prstGeom prst="rect">
+            <a:avLst/>
+          </a:prstGeom>
+          <a:noFill/>
+        </p:spPr>
+        <p:txBody>
+          <a:bodyPr wrap="none" rtlCol="0">
+            <a:spAutoFit/>
+          </a:bodyPr>
+          <a:lstStyle/>
+          <a:p>
+            <a:r>
+              <a:rPr lang="et-EE" sz="1400" dirty="0" smtClean="0">
+                <a:latin typeface="DejaVu Sans Condensed" panose="020B0606030804020204" pitchFamily="34" charset="0"/>
+                <a:ea typeface="DejaVu Sans Condensed" panose="020B0606030804020204" pitchFamily="34" charset="0"/>
+                <a:cs typeface="DejaVu Sans Condensed" panose="020B0606030804020204" pitchFamily="34" charset="0"/>
+              </a:rPr>
+              <a:t>10</a:t>
+            </a:r>
+            <a:endParaRPr lang="et-EE" sz="1400" dirty="0">
+              <a:latin typeface="DejaVu Sans Condensed" panose="020B0606030804020204" pitchFamily="34" charset="0"/>
+              <a:ea typeface="DejaVu Sans Condensed" panose="020B0606030804020204" pitchFamily="34" charset="0"/>
+              <a:cs typeface="DejaVu Sans Condensed" panose="020B0606030804020204" pitchFamily="34" charset="0"/>
+            </a:endParaRPr>
+          </a:p>
+        </p:txBody>
+      </p:sp>
+    </p:spTree>
+    <p:extLst>
+      <p:ext uri="{BB962C8B-B14F-4D97-AF65-F5344CB8AC3E}">
+        <p14:creationId xmlns:p14="http://schemas.microsoft.com/office/powerpoint/2010/main" val="2732033754"/>
       </p:ext>
     </p:extLst>
   </p:cSld>
